--- a/0926/GameProject_BlockStock/block_stock_강다은.pptx
+++ b/0926/GameProject_BlockStock/block_stock_강다은.pptx
@@ -1,23 +1,23 @@
 
 <file path=ppt/presentation.xml><?xml version="1.0" encoding="utf-8"?>
-<p:presentation xmlns:a="http://schemas.openxmlformats.org/drawingml/2006/main" xmlns:r="http://schemas.openxmlformats.org/officeDocument/2006/relationships" xmlns:p="http://schemas.openxmlformats.org/presentationml/2006/main" saveSubsetFonts="1">
+<p:presentation xmlns:a="http://schemas.openxmlformats.org/drawingml/2006/main" xmlns:r="http://schemas.openxmlformats.org/officeDocument/2006/relationships" xmlns:p="http://schemas.openxmlformats.org/presentationml/2006/main" xmlns:p14="http://schemas.microsoft.com/office/powerpoint/2010/main" saveSubsetFonts="1">
   <p:sldMasterIdLst>
-    <p:sldMasterId id="2147483648" r:id="rId1"/>
+    <p:sldMasterId id="2147483660" r:id="rId13"/>
   </p:sldMasterIdLst>
   <p:sldIdLst>
-    <p:sldId id="256" r:id="rId6"/>
-    <p:sldId id="257" r:id="rId7"/>
-    <p:sldId id="258" r:id="rId8"/>
-    <p:sldId id="259" r:id="rId9"/>
-    <p:sldId id="260" r:id="rId10"/>
-    <p:sldId id="261" r:id="rId11"/>
-    <p:sldId id="262" r:id="rId12"/>
-    <p:sldId id="263" r:id="rId13"/>
-    <p:sldId id="264" r:id="rId14"/>
-    <p:sldId id="265" r:id="rId15"/>
-    <p:sldId id="266" r:id="rId16"/>
-    <p:sldId id="267" r:id="rId17"/>
-    <p:sldId id="268" r:id="rId18"/>
+    <p:sldId id="256" r:id="rId15"/>
+    <p:sldId id="257" r:id="rId16"/>
+    <p:sldId id="258" r:id="rId17"/>
+    <p:sldId id="259" r:id="rId18"/>
+    <p:sldId id="260" r:id="rId19"/>
+    <p:sldId id="261" r:id="rId20"/>
+    <p:sldId id="262" r:id="rId21"/>
+    <p:sldId id="263" r:id="rId22"/>
+    <p:sldId id="264" r:id="rId23"/>
+    <p:sldId id="265" r:id="rId24"/>
+    <p:sldId id="266" r:id="rId25"/>
+    <p:sldId id="267" r:id="rId26"/>
+    <p:sldId id="268" r:id="rId27"/>
   </p:sldIdLst>
   <p:sldSz cx="18288000" cy="10287000"/>
   <p:notesSz cx="6858000" cy="9144000"/>
@@ -116,6 +116,22 @@
       </a:defRPr>
     </a:lvl9pPr>
   </p:defaultTextStyle>
+  <p:extLst>
+    <p:ext uri="{EFAFB233-063F-42B5-8137-9DF3F51BA10A}">
+      <p15:sldGuideLst xmlns:p15="http://schemas.microsoft.com/office/powerpoint/2012/main">
+        <p15:guide id="0" orient="horz" pos="2159" userDrawn="1">
+          <p15:clr>
+            <a:srgbClr val="A4A3A4"/>
+          </p15:clr>
+        </p15:guide>
+        <p15:guide id="1" pos="2879" userDrawn="1">
+          <p15:clr>
+            <a:srgbClr val="A4A3A4"/>
+          </p15:clr>
+        </p15:guide>
+      </p15:sldGuideLst>
+    </p:ext>
+  </p:extLst>
 </p:presentation>
 </file>
 
@@ -3107,8 +3123,8 @@
         </p:blipFill>
         <p:spPr>
           <a:xfrm rot="0">
-            <a:off x="-3657600" y="-3987800"/>
-            <a:ext cx="16967200" cy="18859500"/>
+            <a:off x="-8077200" y="-3949700"/>
+            <a:ext cx="34721800" cy="18859500"/>
           </a:xfrm>
           <a:prstGeom prst="rect">
             <a:avLst/>
@@ -3132,26 +3148,37 @@
         <p:spPr>
           <a:xfrm rot="0">
             <a:off x="457200" y="431800"/>
-            <a:ext cx="8483600" cy="9423400"/>
-          </a:xfrm>
-          <a:prstGeom prst="rect">
-            <a:avLst/>
-          </a:prstGeom>
-        </p:spPr>
-      </p:pic>
-      <p:grpSp>
-        <p:nvGrpSpPr>
-          <p:cNvPr name="Group 5" id="5"/>
-          <p:cNvGrpSpPr/>
-          <p:nvPr/>
-        </p:nvGrpSpPr>
-        <p:grpSpPr>
-          <a:xfrm>
-            <a:off x="2147483647" y="2147483647"/>
-            <a:ext cx="2147483647" cy="2147483647"/>
-          </a:xfrm>
-        </p:grpSpPr>
-      </p:grpSp>
+            <a:ext cx="17360900" cy="9423400"/>
+          </a:xfrm>
+          <a:prstGeom prst="rect">
+            <a:avLst/>
+          </a:prstGeom>
+        </p:spPr>
+      </p:pic>
+      <p:pic>
+        <p:nvPicPr>
+          <p:cNvPr name="Picture 5" id="5"/>
+          <p:cNvPicPr>
+            <a:picLocks noChangeAspect="true"/>
+          </p:cNvPicPr>
+          <p:nvPr/>
+        </p:nvPicPr>
+        <p:blipFill>
+          <a:blip r:embed="rId4"/>
+          <a:stretch>
+            <a:fillRect/>
+          </a:stretch>
+        </p:blipFill>
+        <p:spPr>
+          <a:xfrm rot="0">
+            <a:off x="457200" y="431800"/>
+            <a:ext cx="17360900" cy="901700"/>
+          </a:xfrm>
+          <a:prstGeom prst="rect">
+            <a:avLst/>
+          </a:prstGeom>
+        </p:spPr>
+      </p:pic>
       <p:pic>
         <p:nvPicPr>
           <p:cNvPr name="Picture 6" id="6"/>
@@ -3161,15 +3188,15 @@
           <p:nvPr/>
         </p:nvPicPr>
         <p:blipFill>
-          <a:blip r:embed="rId2"/>
-          <a:stretch>
-            <a:fillRect/>
-          </a:stretch>
-        </p:blipFill>
-        <p:spPr>
-          <a:xfrm rot="0">
-            <a:off x="5219700" y="-3987800"/>
-            <a:ext cx="16967200" cy="18859500"/>
+          <a:blip r:embed="rId5"/>
+          <a:stretch>
+            <a:fillRect/>
+          </a:stretch>
+        </p:blipFill>
+        <p:spPr>
+          <a:xfrm rot="0">
+            <a:off x="5499100" y="660400"/>
+            <a:ext cx="7289800" cy="444500"/>
           </a:xfrm>
           <a:prstGeom prst="rect">
             <a:avLst/>
@@ -3185,15 +3212,15 @@
           <p:nvPr/>
         </p:nvPicPr>
         <p:blipFill>
-          <a:blip r:embed="rId3"/>
-          <a:stretch>
-            <a:fillRect/>
-          </a:stretch>
-        </p:blipFill>
-        <p:spPr>
-          <a:xfrm rot="0">
-            <a:off x="9334500" y="431800"/>
-            <a:ext cx="8483600" cy="9423400"/>
+          <a:blip r:embed="rId6"/>
+          <a:stretch>
+            <a:fillRect/>
+          </a:stretch>
+        </p:blipFill>
+        <p:spPr>
+          <a:xfrm rot="0">
+            <a:off x="939800" y="774700"/>
+            <a:ext cx="228600" cy="228600"/>
           </a:xfrm>
           <a:prstGeom prst="rect">
             <a:avLst/>
@@ -3209,15 +3236,15 @@
           <p:nvPr/>
         </p:nvPicPr>
         <p:blipFill>
-          <a:blip r:embed="rId4"/>
-          <a:stretch>
-            <a:fillRect/>
-          </a:stretch>
-        </p:blipFill>
-        <p:spPr>
-          <a:xfrm rot="0">
-            <a:off x="9334500" y="431800"/>
-            <a:ext cx="8483600" cy="901700"/>
+          <a:blip r:embed="rId7"/>
+          <a:stretch>
+            <a:fillRect/>
+          </a:stretch>
+        </p:blipFill>
+        <p:spPr>
+          <a:xfrm rot="0">
+            <a:off x="1308100" y="774700"/>
+            <a:ext cx="228600" cy="228600"/>
           </a:xfrm>
           <a:prstGeom prst="rect">
             <a:avLst/>
@@ -3233,14 +3260,14 @@
           <p:nvPr/>
         </p:nvPicPr>
         <p:blipFill>
-          <a:blip r:embed="rId5"/>
-          <a:stretch>
-            <a:fillRect/>
-          </a:stretch>
-        </p:blipFill>
-        <p:spPr>
-          <a:xfrm rot="0">
-            <a:off x="9817100" y="774700"/>
+          <a:blip r:embed="rId8"/>
+          <a:stretch>
+            <a:fillRect/>
+          </a:stretch>
+        </p:blipFill>
+        <p:spPr>
+          <a:xfrm rot="0">
+            <a:off x="1663700" y="774700"/>
             <a:ext cx="228600" cy="228600"/>
           </a:xfrm>
           <a:prstGeom prst="rect">
@@ -3257,15 +3284,15 @@
           <p:nvPr/>
         </p:nvPicPr>
         <p:blipFill>
-          <a:blip r:embed="rId6"/>
-          <a:stretch>
-            <a:fillRect/>
-          </a:stretch>
-        </p:blipFill>
-        <p:spPr>
-          <a:xfrm rot="0">
-            <a:off x="10185400" y="774700"/>
-            <a:ext cx="228600" cy="228600"/>
+          <a:blip r:embed="rId9"/>
+          <a:stretch>
+            <a:fillRect/>
+          </a:stretch>
+        </p:blipFill>
+        <p:spPr>
+          <a:xfrm rot="0">
+            <a:off x="17106900" y="736600"/>
+            <a:ext cx="228600" cy="279400"/>
           </a:xfrm>
           <a:prstGeom prst="rect">
             <a:avLst/>
@@ -3281,34 +3308,45 @@
           <p:nvPr/>
         </p:nvPicPr>
         <p:blipFill>
-          <a:blip r:embed="rId7"/>
-          <a:stretch>
-            <a:fillRect/>
-          </a:stretch>
-        </p:blipFill>
-        <p:spPr>
-          <a:xfrm rot="0">
-            <a:off x="10541000" y="774700"/>
-            <a:ext cx="228600" cy="228600"/>
-          </a:xfrm>
-          <a:prstGeom prst="rect">
-            <a:avLst/>
-          </a:prstGeom>
-        </p:spPr>
-      </p:pic>
-      <p:grpSp>
-        <p:nvGrpSpPr>
-          <p:cNvPr name="Group 12" id="12"/>
-          <p:cNvGrpSpPr/>
-          <p:nvPr/>
-        </p:nvGrpSpPr>
-        <p:grpSpPr>
-          <a:xfrm>
-            <a:off x="2147483647" y="2147483647"/>
-            <a:ext cx="2147483647" cy="2147483647"/>
-          </a:xfrm>
-        </p:grpSpPr>
-      </p:grpSp>
+          <a:blip r:embed="rId10"/>
+          <a:stretch>
+            <a:fillRect/>
+          </a:stretch>
+        </p:blipFill>
+        <p:spPr>
+          <a:xfrm rot="0">
+            <a:off x="5473700" y="6350000"/>
+            <a:ext cx="1193800" cy="1193800"/>
+          </a:xfrm>
+          <a:prstGeom prst="rect">
+            <a:avLst/>
+          </a:prstGeom>
+        </p:spPr>
+      </p:pic>
+      <p:pic>
+        <p:nvPicPr>
+          <p:cNvPr name="Picture 12" id="12"/>
+          <p:cNvPicPr>
+            <a:picLocks noChangeAspect="true"/>
+          </p:cNvPicPr>
+          <p:nvPr/>
+        </p:nvPicPr>
+        <p:blipFill>
+          <a:blip r:embed="rId11"/>
+          <a:stretch>
+            <a:fillRect/>
+          </a:stretch>
+        </p:blipFill>
+        <p:spPr>
+          <a:xfrm rot="0">
+            <a:off x="8572500" y="6350000"/>
+            <a:ext cx="1181100" cy="1181100"/>
+          </a:xfrm>
+          <a:prstGeom prst="rect">
+            <a:avLst/>
+          </a:prstGeom>
+        </p:spPr>
+      </p:pic>
       <p:pic>
         <p:nvPicPr>
           <p:cNvPr name="Picture 13" id="13"/>
@@ -3318,15 +3356,15 @@
           <p:nvPr/>
         </p:nvPicPr>
         <p:blipFill>
-          <a:blip r:embed="rId8"/>
-          <a:stretch>
-            <a:fillRect/>
-          </a:stretch>
-        </p:blipFill>
-        <p:spPr>
-          <a:xfrm rot="0">
-            <a:off x="800100" y="660400"/>
-            <a:ext cx="4953000" cy="5549900"/>
+          <a:blip r:embed="rId12"/>
+          <a:stretch>
+            <a:fillRect/>
+          </a:stretch>
+        </p:blipFill>
+        <p:spPr>
+          <a:xfrm rot="0">
+            <a:off x="10274300" y="6985000"/>
+            <a:ext cx="673100" cy="596900"/>
           </a:xfrm>
           <a:prstGeom prst="rect">
             <a:avLst/>
@@ -3342,34 +3380,45 @@
           <p:nvPr/>
         </p:nvPicPr>
         <p:blipFill>
-          <a:blip r:embed="rId9"/>
-          <a:stretch>
-            <a:fillRect/>
-          </a:stretch>
-        </p:blipFill>
-        <p:spPr>
-          <a:xfrm rot="0">
-            <a:off x="11493500" y="660400"/>
-            <a:ext cx="4191000" cy="444500"/>
-          </a:xfrm>
-          <a:prstGeom prst="rect">
-            <a:avLst/>
-          </a:prstGeom>
-        </p:spPr>
-      </p:pic>
-      <p:grpSp>
-        <p:nvGrpSpPr>
-          <p:cNvPr name="Group 15" id="15"/>
-          <p:cNvGrpSpPr/>
-          <p:nvPr/>
-        </p:nvGrpSpPr>
-        <p:grpSpPr>
-          <a:xfrm>
-            <a:off x="2147483647" y="2147483647"/>
-            <a:ext cx="2147483647" cy="2147483647"/>
-          </a:xfrm>
-        </p:grpSpPr>
-      </p:grpSp>
+          <a:blip r:embed="rId13"/>
+          <a:stretch>
+            <a:fillRect/>
+          </a:stretch>
+        </p:blipFill>
+        <p:spPr>
+          <a:xfrm rot="0">
+            <a:off x="11645900" y="6489700"/>
+            <a:ext cx="914400" cy="914400"/>
+          </a:xfrm>
+          <a:prstGeom prst="rect">
+            <a:avLst/>
+          </a:prstGeom>
+        </p:spPr>
+      </p:pic>
+      <p:pic>
+        <p:nvPicPr>
+          <p:cNvPr name="Picture 15" id="15"/>
+          <p:cNvPicPr>
+            <a:picLocks noChangeAspect="true"/>
+          </p:cNvPicPr>
+          <p:nvPr/>
+        </p:nvPicPr>
+        <p:blipFill>
+          <a:blip r:embed="rId14"/>
+          <a:stretch>
+            <a:fillRect/>
+          </a:stretch>
+        </p:blipFill>
+        <p:spPr>
+          <a:xfrm rot="0">
+            <a:off x="7175500" y="6781800"/>
+            <a:ext cx="1003300" cy="1003300"/>
+          </a:xfrm>
+          <a:prstGeom prst="rect">
+            <a:avLst/>
+          </a:prstGeom>
+        </p:spPr>
+      </p:pic>
       <p:pic>
         <p:nvPicPr>
           <p:cNvPr name="Picture 16" id="16"/>
@@ -3379,34 +3428,45 @@
           <p:nvPr/>
         </p:nvPicPr>
         <p:blipFill>
-          <a:blip r:embed="rId10"/>
-          <a:stretch>
-            <a:fillRect/>
-          </a:stretch>
-        </p:blipFill>
-        <p:spPr>
-          <a:xfrm rot="0">
-            <a:off x="749300" y="6477000"/>
-            <a:ext cx="7912100" cy="3149600"/>
-          </a:xfrm>
-          <a:prstGeom prst="rect">
-            <a:avLst/>
-          </a:prstGeom>
-        </p:spPr>
-      </p:pic>
-      <p:grpSp>
-        <p:nvGrpSpPr>
-          <p:cNvPr name="Group 17" id="17"/>
-          <p:cNvGrpSpPr/>
-          <p:nvPr/>
-        </p:nvGrpSpPr>
-        <p:grpSpPr>
-          <a:xfrm>
-            <a:off x="2147483647" y="2147483647"/>
-            <a:ext cx="2147483647" cy="2147483647"/>
-          </a:xfrm>
-        </p:grpSpPr>
-      </p:grpSp>
+          <a:blip r:embed="rId15"/>
+          <a:stretch>
+            <a:fillRect/>
+          </a:stretch>
+        </p:blipFill>
+        <p:spPr>
+          <a:xfrm rot="0">
+            <a:off x="6388100" y="609600"/>
+            <a:ext cx="5283200" cy="673100"/>
+          </a:xfrm>
+          <a:prstGeom prst="rect">
+            <a:avLst/>
+          </a:prstGeom>
+        </p:spPr>
+      </p:pic>
+      <p:pic>
+        <p:nvPicPr>
+          <p:cNvPr name="Picture 17" id="17"/>
+          <p:cNvPicPr>
+            <a:picLocks noChangeAspect="true"/>
+          </p:cNvPicPr>
+          <p:nvPr/>
+        </p:nvPicPr>
+        <p:blipFill>
+          <a:blip r:embed="rId16"/>
+          <a:stretch>
+            <a:fillRect/>
+          </a:stretch>
+        </p:blipFill>
+        <p:spPr>
+          <a:xfrm rot="0">
+            <a:off x="-1346200" y="3467100"/>
+            <a:ext cx="17043400" cy="1536700"/>
+          </a:xfrm>
+          <a:prstGeom prst="rect">
+            <a:avLst/>
+          </a:prstGeom>
+        </p:spPr>
+      </p:pic>
       <p:pic>
         <p:nvPicPr>
           <p:cNvPr name="Picture 18" id="18"/>
@@ -3416,124 +3476,15 @@
           <p:nvPr/>
         </p:nvPicPr>
         <p:blipFill>
-          <a:blip r:embed="rId11"/>
-          <a:stretch>
-            <a:fillRect/>
-          </a:stretch>
-        </p:blipFill>
-        <p:spPr>
-          <a:xfrm rot="0">
-            <a:off x="9588500" y="2286000"/>
-            <a:ext cx="5130800" cy="3568700"/>
-          </a:xfrm>
-          <a:prstGeom prst="rect">
-            <a:avLst/>
-          </a:prstGeom>
-        </p:spPr>
-      </p:pic>
-      <p:grpSp>
-        <p:nvGrpSpPr>
-          <p:cNvPr name="Group 19" id="19"/>
-          <p:cNvGrpSpPr/>
-          <p:nvPr/>
-        </p:nvGrpSpPr>
-        <p:grpSpPr>
-          <a:xfrm>
-            <a:off x="2147483647" y="2147483647"/>
-            <a:ext cx="2147483647" cy="2147483647"/>
-          </a:xfrm>
-        </p:grpSpPr>
-      </p:grpSp>
-      <p:pic>
-        <p:nvPicPr>
-          <p:cNvPr name="Picture 20" id="20"/>
-          <p:cNvPicPr>
-            <a:picLocks noChangeAspect="true"/>
-          </p:cNvPicPr>
-          <p:nvPr/>
-        </p:nvPicPr>
-        <p:blipFill>
-          <a:blip r:embed="rId12"/>
-          <a:stretch>
-            <a:fillRect/>
-          </a:stretch>
-        </p:blipFill>
-        <p:spPr>
-          <a:xfrm rot="0">
-            <a:off x="12890500" y="3314700"/>
-            <a:ext cx="4749800" cy="3644900"/>
-          </a:xfrm>
-          <a:prstGeom prst="rect">
-            <a:avLst/>
-          </a:prstGeom>
-        </p:spPr>
-      </p:pic>
-      <p:pic>
-        <p:nvPicPr>
-          <p:cNvPr name="Picture 21" id="21"/>
-          <p:cNvPicPr>
-            <a:picLocks noChangeAspect="true"/>
-          </p:cNvPicPr>
-          <p:nvPr/>
-        </p:nvPicPr>
-        <p:blipFill>
-          <a:blip r:embed="rId13"/>
-          <a:stretch>
-            <a:fillRect/>
-          </a:stretch>
-        </p:blipFill>
-        <p:spPr>
-          <a:xfrm rot="0">
-            <a:off x="10248900" y="609600"/>
-            <a:ext cx="5499100" cy="673100"/>
-          </a:xfrm>
-          <a:prstGeom prst="rect">
-            <a:avLst/>
-          </a:prstGeom>
-        </p:spPr>
-      </p:pic>
-      <p:pic>
-        <p:nvPicPr>
-          <p:cNvPr name="Picture 22" id="22"/>
-          <p:cNvPicPr>
-            <a:picLocks noChangeAspect="true"/>
-          </p:cNvPicPr>
-          <p:nvPr/>
-        </p:nvPicPr>
-        <p:blipFill>
-          <a:blip r:embed="rId14"/>
-          <a:stretch>
-            <a:fillRect/>
-          </a:stretch>
-        </p:blipFill>
-        <p:spPr>
-          <a:xfrm rot="0">
-            <a:off x="9169400" y="1130300"/>
-            <a:ext cx="6261100" cy="1358900"/>
-          </a:xfrm>
-          <a:prstGeom prst="rect">
-            <a:avLst/>
-          </a:prstGeom>
-        </p:spPr>
-      </p:pic>
-      <p:pic>
-        <p:nvPicPr>
-          <p:cNvPr name="Picture 23" id="23"/>
-          <p:cNvPicPr>
-            <a:picLocks noChangeAspect="true"/>
-          </p:cNvPicPr>
-          <p:nvPr/>
-        </p:nvPicPr>
-        <p:blipFill>
-          <a:blip r:embed="rId15"/>
-          <a:stretch>
-            <a:fillRect/>
-          </a:stretch>
-        </p:blipFill>
-        <p:spPr>
-          <a:xfrm rot="0">
-            <a:off x="9728200" y="7404100"/>
-            <a:ext cx="4483100" cy="2387600"/>
+          <a:blip r:embed="rId17"/>
+          <a:stretch>
+            <a:fillRect/>
+          </a:stretch>
+        </p:blipFill>
+        <p:spPr>
+          <a:xfrm rot="0">
+            <a:off x="787400" y="4025900"/>
+            <a:ext cx="15443200" cy="3086100"/>
           </a:xfrm>
           <a:prstGeom prst="rect">
             <a:avLst/>
@@ -3819,8 +3770,8 @@
         </p:blipFill>
         <p:spPr>
           <a:xfrm rot="0">
-            <a:off x="800100" y="660400"/>
-            <a:ext cx="4953000" cy="5549900"/>
+            <a:off x="609600" y="3581400"/>
+            <a:ext cx="8204200" cy="3124200"/>
           </a:xfrm>
           <a:prstGeom prst="rect">
             <a:avLst/>
@@ -3880,8 +3831,8 @@
         </p:blipFill>
         <p:spPr>
           <a:xfrm rot="0">
-            <a:off x="749300" y="6477000"/>
-            <a:ext cx="7912100" cy="3149600"/>
+            <a:off x="609600" y="2628900"/>
+            <a:ext cx="5321300" cy="533400"/>
           </a:xfrm>
           <a:prstGeom prst="rect">
             <a:avLst/>
@@ -3917,27 +3868,38 @@
         </p:blipFill>
         <p:spPr>
           <a:xfrm rot="0">
-            <a:off x="9588500" y="2044700"/>
-            <a:ext cx="5130800" cy="3568700"/>
-          </a:xfrm>
-          <a:prstGeom prst="rect">
-            <a:avLst/>
-          </a:prstGeom>
-        </p:spPr>
-      </p:pic>
-      <p:grpSp>
-        <p:nvGrpSpPr>
-          <p:cNvPr name="Group 19" id="19"/>
-          <p:cNvGrpSpPr/>
-          <p:nvPr/>
-        </p:nvGrpSpPr>
-        <p:grpSpPr>
-          <a:xfrm>
-            <a:off x="2147483647" y="2147483647"/>
-            <a:ext cx="2147483647" cy="2147483647"/>
-          </a:xfrm>
-        </p:grpSpPr>
-      </p:grpSp>
+            <a:off x="10185400" y="2349500"/>
+            <a:ext cx="6172200" cy="4445000"/>
+          </a:xfrm>
+          <a:prstGeom prst="rect">
+            <a:avLst/>
+          </a:prstGeom>
+        </p:spPr>
+      </p:pic>
+      <p:pic>
+        <p:nvPicPr>
+          <p:cNvPr name="Picture 19" id="19"/>
+          <p:cNvPicPr>
+            <a:picLocks noChangeAspect="true"/>
+          </p:cNvPicPr>
+          <p:nvPr/>
+        </p:nvPicPr>
+        <p:blipFill>
+          <a:blip r:embed="rId12"/>
+          <a:stretch>
+            <a:fillRect/>
+          </a:stretch>
+        </p:blipFill>
+        <p:spPr>
+          <a:xfrm rot="0">
+            <a:off x="9994900" y="508000"/>
+            <a:ext cx="5727700" cy="812800"/>
+          </a:xfrm>
+          <a:prstGeom prst="rect">
+            <a:avLst/>
+          </a:prstGeom>
+        </p:spPr>
+      </p:pic>
       <p:pic>
         <p:nvPicPr>
           <p:cNvPr name="Picture 20" id="20"/>
@@ -3947,15 +3909,15 @@
           <p:nvPr/>
         </p:nvPicPr>
         <p:blipFill>
-          <a:blip r:embed="rId12"/>
-          <a:stretch>
-            <a:fillRect/>
-          </a:stretch>
-        </p:blipFill>
-        <p:spPr>
-          <a:xfrm rot="0">
-            <a:off x="12890500" y="3314700"/>
-            <a:ext cx="4749800" cy="3644900"/>
+          <a:blip r:embed="rId13"/>
+          <a:stretch>
+            <a:fillRect/>
+          </a:stretch>
+        </p:blipFill>
+        <p:spPr>
+          <a:xfrm rot="0">
+            <a:off x="9182100" y="1181100"/>
+            <a:ext cx="4470400" cy="2032000"/>
           </a:xfrm>
           <a:prstGeom prst="rect">
             <a:avLst/>
@@ -3971,30 +3933,6 @@
           <p:nvPr/>
         </p:nvPicPr>
         <p:blipFill>
-          <a:blip r:embed="rId13"/>
-          <a:stretch>
-            <a:fillRect/>
-          </a:stretch>
-        </p:blipFill>
-        <p:spPr>
-          <a:xfrm rot="0">
-            <a:off x="10248900" y="609600"/>
-            <a:ext cx="5499100" cy="673100"/>
-          </a:xfrm>
-          <a:prstGeom prst="rect">
-            <a:avLst/>
-          </a:prstGeom>
-        </p:spPr>
-      </p:pic>
-      <p:pic>
-        <p:nvPicPr>
-          <p:cNvPr name="Picture 22" id="22"/>
-          <p:cNvPicPr>
-            <a:picLocks noChangeAspect="true"/>
-          </p:cNvPicPr>
-          <p:nvPr/>
-        </p:nvPicPr>
-        <p:blipFill>
           <a:blip r:embed="rId14"/>
           <a:stretch>
             <a:fillRect/>
@@ -4002,32 +3940,8 @@
         </p:blipFill>
         <p:spPr>
           <a:xfrm rot="0">
-            <a:off x="9169400" y="1130300"/>
-            <a:ext cx="6261100" cy="1358900"/>
-          </a:xfrm>
-          <a:prstGeom prst="rect">
-            <a:avLst/>
-          </a:prstGeom>
-        </p:spPr>
-      </p:pic>
-      <p:pic>
-        <p:nvPicPr>
-          <p:cNvPr name="Picture 23" id="23"/>
-          <p:cNvPicPr>
-            <a:picLocks noChangeAspect="true"/>
-          </p:cNvPicPr>
-          <p:nvPr/>
-        </p:nvPicPr>
-        <p:blipFill>
-          <a:blip r:embed="rId15"/>
-          <a:stretch>
-            <a:fillRect/>
-          </a:stretch>
-        </p:blipFill>
-        <p:spPr>
-          <a:xfrm rot="0">
-            <a:off x="9728200" y="7200900"/>
-            <a:ext cx="4445000" cy="2006600"/>
+            <a:off x="9931400" y="6908800"/>
+            <a:ext cx="7404100" cy="2501900"/>
           </a:xfrm>
           <a:prstGeom prst="rect">
             <a:avLst/>
@@ -4313,8 +4227,8 @@
         </p:blipFill>
         <p:spPr>
           <a:xfrm rot="0">
-            <a:off x="609600" y="3581400"/>
-            <a:ext cx="8204200" cy="3124200"/>
+            <a:off x="1600200" y="622300"/>
+            <a:ext cx="6223000" cy="9042400"/>
           </a:xfrm>
           <a:prstGeom prst="rect">
             <a:avLst/>
@@ -4374,27 +4288,38 @@
         </p:blipFill>
         <p:spPr>
           <a:xfrm rot="0">
-            <a:off x="609600" y="2628900"/>
-            <a:ext cx="5321300" cy="533400"/>
-          </a:xfrm>
-          <a:prstGeom prst="rect">
-            <a:avLst/>
-          </a:prstGeom>
-        </p:spPr>
-      </p:pic>
-      <p:grpSp>
-        <p:nvGrpSpPr>
-          <p:cNvPr name="Group 17" id="17"/>
-          <p:cNvGrpSpPr/>
-          <p:nvPr/>
-        </p:nvGrpSpPr>
-        <p:grpSpPr>
-          <a:xfrm>
-            <a:off x="2147483647" y="2147483647"/>
-            <a:ext cx="2147483647" cy="2147483647"/>
-          </a:xfrm>
-        </p:grpSpPr>
-      </p:grpSp>
+            <a:off x="10502900" y="2768600"/>
+            <a:ext cx="6172200" cy="4749800"/>
+          </a:xfrm>
+          <a:prstGeom prst="rect">
+            <a:avLst/>
+          </a:prstGeom>
+        </p:spPr>
+      </p:pic>
+      <p:pic>
+        <p:nvPicPr>
+          <p:cNvPr name="Picture 17" id="17"/>
+          <p:cNvPicPr>
+            <a:picLocks noChangeAspect="true"/>
+          </p:cNvPicPr>
+          <p:nvPr/>
+        </p:nvPicPr>
+        <p:blipFill>
+          <a:blip r:embed="rId11"/>
+          <a:stretch>
+            <a:fillRect/>
+          </a:stretch>
+        </p:blipFill>
+        <p:spPr>
+          <a:xfrm rot="0">
+            <a:off x="10769600" y="609600"/>
+            <a:ext cx="4978400" cy="673100"/>
+          </a:xfrm>
+          <a:prstGeom prst="rect">
+            <a:avLst/>
+          </a:prstGeom>
+        </p:spPr>
+      </p:pic>
       <p:pic>
         <p:nvPicPr>
           <p:cNvPr name="Picture 18" id="18"/>
@@ -4404,15 +4329,15 @@
           <p:nvPr/>
         </p:nvPicPr>
         <p:blipFill>
-          <a:blip r:embed="rId11"/>
-          <a:stretch>
-            <a:fillRect/>
-          </a:stretch>
-        </p:blipFill>
-        <p:spPr>
-          <a:xfrm rot="0">
-            <a:off x="10185400" y="2349500"/>
-            <a:ext cx="6172200" cy="4445000"/>
+          <a:blip r:embed="rId12"/>
+          <a:stretch>
+            <a:fillRect/>
+          </a:stretch>
+        </p:blipFill>
+        <p:spPr>
+          <a:xfrm rot="0">
+            <a:off x="9182100" y="1181100"/>
+            <a:ext cx="7556500" cy="2641600"/>
           </a:xfrm>
           <a:prstGeom prst="rect">
             <a:avLst/>
@@ -4428,30 +4353,6 @@
           <p:nvPr/>
         </p:nvPicPr>
         <p:blipFill>
-          <a:blip r:embed="rId12"/>
-          <a:stretch>
-            <a:fillRect/>
-          </a:stretch>
-        </p:blipFill>
-        <p:spPr>
-          <a:xfrm rot="0">
-            <a:off x="9994900" y="508000"/>
-            <a:ext cx="5727700" cy="812800"/>
-          </a:xfrm>
-          <a:prstGeom prst="rect">
-            <a:avLst/>
-          </a:prstGeom>
-        </p:spPr>
-      </p:pic>
-      <p:pic>
-        <p:nvPicPr>
-          <p:cNvPr name="Picture 20" id="20"/>
-          <p:cNvPicPr>
-            <a:picLocks noChangeAspect="true"/>
-          </p:cNvPicPr>
-          <p:nvPr/>
-        </p:nvPicPr>
-        <p:blipFill>
           <a:blip r:embed="rId13"/>
           <a:stretch>
             <a:fillRect/>
@@ -4459,32 +4360,8 @@
         </p:blipFill>
         <p:spPr>
           <a:xfrm rot="0">
-            <a:off x="9182100" y="1181100"/>
-            <a:ext cx="4470400" cy="2032000"/>
-          </a:xfrm>
-          <a:prstGeom prst="rect">
-            <a:avLst/>
-          </a:prstGeom>
-        </p:spPr>
-      </p:pic>
-      <p:pic>
-        <p:nvPicPr>
-          <p:cNvPr name="Picture 21" id="21"/>
-          <p:cNvPicPr>
-            <a:picLocks noChangeAspect="true"/>
-          </p:cNvPicPr>
-          <p:nvPr/>
-        </p:nvPicPr>
-        <p:blipFill>
-          <a:blip r:embed="rId14"/>
-          <a:stretch>
-            <a:fillRect/>
-          </a:stretch>
-        </p:blipFill>
-        <p:spPr>
-          <a:xfrm rot="0">
-            <a:off x="9931400" y="6908800"/>
-            <a:ext cx="7404100" cy="2501900"/>
+            <a:off x="9842500" y="7505700"/>
+            <a:ext cx="7048500" cy="2908300"/>
           </a:xfrm>
           <a:prstGeom prst="rect">
             <a:avLst/>
@@ -4770,8 +4647,8 @@
         </p:blipFill>
         <p:spPr>
           <a:xfrm rot="0">
-            <a:off x="1600200" y="622300"/>
-            <a:ext cx="6223000" cy="9042400"/>
+            <a:off x="1625600" y="660400"/>
+            <a:ext cx="6197600" cy="9004300"/>
           </a:xfrm>
           <a:prstGeom prst="rect">
             <a:avLst/>
@@ -4831,17 +4708,30 @@
         </p:blipFill>
         <p:spPr>
           <a:xfrm rot="0">
-            <a:off x="10502900" y="2768600"/>
-            <a:ext cx="6172200" cy="4749800"/>
-          </a:xfrm>
-          <a:prstGeom prst="rect">
-            <a:avLst/>
-          </a:prstGeom>
-        </p:spPr>
-      </p:pic>
-      <p:pic>
-        <p:nvPicPr>
-          <p:cNvPr name="Picture 17" id="17"/>
+            <a:off x="9525000" y="2654300"/>
+            <a:ext cx="6172200" cy="2946400"/>
+          </a:xfrm>
+          <a:prstGeom prst="rect">
+            <a:avLst/>
+          </a:prstGeom>
+        </p:spPr>
+      </p:pic>
+      <p:grpSp>
+        <p:nvGrpSpPr>
+          <p:cNvPr name="Group 17" id="17"/>
+          <p:cNvGrpSpPr/>
+          <p:nvPr/>
+        </p:nvGrpSpPr>
+        <p:grpSpPr>
+          <a:xfrm>
+            <a:off x="2147483647" y="2147483647"/>
+            <a:ext cx="2147483647" cy="2147483647"/>
+          </a:xfrm>
+        </p:grpSpPr>
+      </p:grpSp>
+      <p:pic>
+        <p:nvPicPr>
+          <p:cNvPr name="Picture 18" id="18"/>
           <p:cNvPicPr>
             <a:picLocks noChangeAspect="true"/>
           </p:cNvPicPr>
@@ -4855,17 +4745,30 @@
         </p:blipFill>
         <p:spPr>
           <a:xfrm rot="0">
-            <a:off x="10769600" y="609600"/>
-            <a:ext cx="4978400" cy="673100"/>
-          </a:xfrm>
-          <a:prstGeom prst="rect">
-            <a:avLst/>
-          </a:prstGeom>
-        </p:spPr>
-      </p:pic>
-      <p:pic>
-        <p:nvPicPr>
-          <p:cNvPr name="Picture 18" id="18"/>
+            <a:off x="9499600" y="5816600"/>
+            <a:ext cx="6172200" cy="3035300"/>
+          </a:xfrm>
+          <a:prstGeom prst="rect">
+            <a:avLst/>
+          </a:prstGeom>
+        </p:spPr>
+      </p:pic>
+      <p:grpSp>
+        <p:nvGrpSpPr>
+          <p:cNvPr name="Group 19" id="19"/>
+          <p:cNvGrpSpPr/>
+          <p:nvPr/>
+        </p:nvGrpSpPr>
+        <p:grpSpPr>
+          <a:xfrm>
+            <a:off x="2147483647" y="2147483647"/>
+            <a:ext cx="2147483647" cy="2147483647"/>
+          </a:xfrm>
+        </p:grpSpPr>
+      </p:grpSp>
+      <p:pic>
+        <p:nvPicPr>
+          <p:cNvPr name="Picture 20" id="20"/>
           <p:cNvPicPr>
             <a:picLocks noChangeAspect="true"/>
           </p:cNvPicPr>
@@ -4879,32 +4782,56 @@
         </p:blipFill>
         <p:spPr>
           <a:xfrm rot="0">
+            <a:off x="12230100" y="6781800"/>
+            <a:ext cx="5397500" cy="2882900"/>
+          </a:xfrm>
+          <a:prstGeom prst="rect">
+            <a:avLst/>
+          </a:prstGeom>
+        </p:spPr>
+      </p:pic>
+      <p:pic>
+        <p:nvPicPr>
+          <p:cNvPr name="Picture 21" id="21"/>
+          <p:cNvPicPr>
+            <a:picLocks noChangeAspect="true"/>
+          </p:cNvPicPr>
+          <p:nvPr/>
+        </p:nvPicPr>
+        <p:blipFill>
+          <a:blip r:embed="rId13"/>
+          <a:stretch>
+            <a:fillRect/>
+          </a:stretch>
+        </p:blipFill>
+        <p:spPr>
+          <a:xfrm rot="0">
+            <a:off x="9982200" y="533400"/>
+            <a:ext cx="5740400" cy="762000"/>
+          </a:xfrm>
+          <a:prstGeom prst="rect">
+            <a:avLst/>
+          </a:prstGeom>
+        </p:spPr>
+      </p:pic>
+      <p:pic>
+        <p:nvPicPr>
+          <p:cNvPr name="Picture 22" id="22"/>
+          <p:cNvPicPr>
+            <a:picLocks noChangeAspect="true"/>
+          </p:cNvPicPr>
+          <p:nvPr/>
+        </p:nvPicPr>
+        <p:blipFill>
+          <a:blip r:embed="rId14"/>
+          <a:stretch>
+            <a:fillRect/>
+          </a:stretch>
+        </p:blipFill>
+        <p:spPr>
+          <a:xfrm rot="0">
             <a:off x="9182100" y="1181100"/>
-            <a:ext cx="7556500" cy="2641600"/>
-          </a:xfrm>
-          <a:prstGeom prst="rect">
-            <a:avLst/>
-          </a:prstGeom>
-        </p:spPr>
-      </p:pic>
-      <p:pic>
-        <p:nvPicPr>
-          <p:cNvPr name="Picture 19" id="19"/>
-          <p:cNvPicPr>
-            <a:picLocks noChangeAspect="true"/>
-          </p:cNvPicPr>
-          <p:nvPr/>
-        </p:nvPicPr>
-        <p:blipFill>
-          <a:blip r:embed="rId13"/>
-          <a:stretch>
-            <a:fillRect/>
-          </a:stretch>
-        </p:blipFill>
-        <p:spPr>
-          <a:xfrm rot="0">
-            <a:off x="9842500" y="7505700"/>
-            <a:ext cx="7048500" cy="2908300"/>
+            <a:ext cx="7442200" cy="2641600"/>
           </a:xfrm>
           <a:prstGeom prst="rect">
             <a:avLst/>
@@ -7341,8 +7268,8 @@
         </p:blipFill>
         <p:spPr>
           <a:xfrm rot="0">
-            <a:off x="-1981200" y="-2120900"/>
-            <a:ext cx="11137900" cy="15875000"/>
+            <a:off x="-952500" y="-2159000"/>
+            <a:ext cx="9029700" cy="15875000"/>
           </a:xfrm>
           <a:prstGeom prst="rect">
             <a:avLst/>
@@ -7365,8 +7292,8 @@
         </p:blipFill>
         <p:spPr>
           <a:xfrm rot="0">
-            <a:off x="711200" y="1651000"/>
-            <a:ext cx="5562600" cy="7937500"/>
+            <a:off x="1231900" y="1651000"/>
+            <a:ext cx="4508500" cy="7937500"/>
           </a:xfrm>
           <a:prstGeom prst="rect">
             <a:avLst/>
@@ -7668,8 +7595,8 @@
         </p:blipFill>
         <p:spPr>
           <a:xfrm rot="0">
-            <a:off x="901700" y="1841500"/>
-            <a:ext cx="5181600" cy="7569200"/>
+            <a:off x="1473200" y="1778000"/>
+            <a:ext cx="4051300" cy="7683500"/>
           </a:xfrm>
           <a:prstGeom prst="rect">
             <a:avLst/>
@@ -7716,8 +7643,8 @@
         </p:blipFill>
         <p:spPr>
           <a:xfrm rot="0">
-            <a:off x="7200900" y="2222500"/>
-            <a:ext cx="5041900" cy="1193800"/>
+            <a:off x="7213600" y="2222500"/>
+            <a:ext cx="5676900" cy="1193800"/>
           </a:xfrm>
           <a:prstGeom prst="rect">
             <a:avLst/>
@@ -7740,8 +7667,8 @@
         </p:blipFill>
         <p:spPr>
           <a:xfrm rot="0">
-            <a:off x="7213600" y="3175000"/>
-            <a:ext cx="5626100" cy="2044700"/>
+            <a:off x="7137400" y="3314700"/>
+            <a:ext cx="4191000" cy="1435100"/>
           </a:xfrm>
           <a:prstGeom prst="rect">
             <a:avLst/>
@@ -7765,7 +7692,7 @@
         <p:spPr>
           <a:xfrm rot="0">
             <a:off x="7200900" y="6057900"/>
-            <a:ext cx="4559300" cy="1193800"/>
+            <a:ext cx="4013200" cy="1193800"/>
           </a:xfrm>
           <a:prstGeom prst="rect">
             <a:avLst/>
@@ -7789,7 +7716,7 @@
         <p:spPr>
           <a:xfrm rot="0">
             <a:off x="7213600" y="7023100"/>
-            <a:ext cx="3924300" cy="1435100"/>
+            <a:ext cx="5918200" cy="1435100"/>
           </a:xfrm>
           <a:prstGeom prst="rect">
             <a:avLst/>
@@ -7905,8 +7832,200 @@
         </p:blipFill>
         <p:spPr>
           <a:xfrm rot="0">
-            <a:off x="3683000" y="698500"/>
-            <a:ext cx="9931400" cy="1358900"/>
+            <a:off x="457200" y="431800"/>
+            <a:ext cx="17360900" cy="901700"/>
+          </a:xfrm>
+          <a:prstGeom prst="rect">
+            <a:avLst/>
+          </a:prstGeom>
+        </p:spPr>
+      </p:pic>
+      <p:pic>
+        <p:nvPicPr>
+          <p:cNvPr name="Picture 6" id="6"/>
+          <p:cNvPicPr>
+            <a:picLocks noChangeAspect="true"/>
+          </p:cNvPicPr>
+          <p:nvPr/>
+        </p:nvPicPr>
+        <p:blipFill>
+          <a:blip r:embed="rId5"/>
+          <a:stretch>
+            <a:fillRect/>
+          </a:stretch>
+        </p:blipFill>
+        <p:spPr>
+          <a:xfrm rot="0">
+            <a:off x="5499100" y="660400"/>
+            <a:ext cx="7289800" cy="444500"/>
+          </a:xfrm>
+          <a:prstGeom prst="rect">
+            <a:avLst/>
+          </a:prstGeom>
+        </p:spPr>
+      </p:pic>
+      <p:pic>
+        <p:nvPicPr>
+          <p:cNvPr name="Picture 7" id="7"/>
+          <p:cNvPicPr>
+            <a:picLocks noChangeAspect="true"/>
+          </p:cNvPicPr>
+          <p:nvPr/>
+        </p:nvPicPr>
+        <p:blipFill>
+          <a:blip r:embed="rId6"/>
+          <a:stretch>
+            <a:fillRect/>
+          </a:stretch>
+        </p:blipFill>
+        <p:spPr>
+          <a:xfrm rot="0">
+            <a:off x="939800" y="774700"/>
+            <a:ext cx="228600" cy="228600"/>
+          </a:xfrm>
+          <a:prstGeom prst="rect">
+            <a:avLst/>
+          </a:prstGeom>
+        </p:spPr>
+      </p:pic>
+      <p:pic>
+        <p:nvPicPr>
+          <p:cNvPr name="Picture 8" id="8"/>
+          <p:cNvPicPr>
+            <a:picLocks noChangeAspect="true"/>
+          </p:cNvPicPr>
+          <p:nvPr/>
+        </p:nvPicPr>
+        <p:blipFill>
+          <a:blip r:embed="rId7"/>
+          <a:stretch>
+            <a:fillRect/>
+          </a:stretch>
+        </p:blipFill>
+        <p:spPr>
+          <a:xfrm rot="0">
+            <a:off x="1308100" y="774700"/>
+            <a:ext cx="228600" cy="228600"/>
+          </a:xfrm>
+          <a:prstGeom prst="rect">
+            <a:avLst/>
+          </a:prstGeom>
+        </p:spPr>
+      </p:pic>
+      <p:pic>
+        <p:nvPicPr>
+          <p:cNvPr name="Picture 9" id="9"/>
+          <p:cNvPicPr>
+            <a:picLocks noChangeAspect="true"/>
+          </p:cNvPicPr>
+          <p:nvPr/>
+        </p:nvPicPr>
+        <p:blipFill>
+          <a:blip r:embed="rId8"/>
+          <a:stretch>
+            <a:fillRect/>
+          </a:stretch>
+        </p:blipFill>
+        <p:spPr>
+          <a:xfrm rot="0">
+            <a:off x="1663700" y="774700"/>
+            <a:ext cx="228600" cy="228600"/>
+          </a:xfrm>
+          <a:prstGeom prst="rect">
+            <a:avLst/>
+          </a:prstGeom>
+        </p:spPr>
+      </p:pic>
+      <p:pic>
+        <p:nvPicPr>
+          <p:cNvPr name="Picture 10" id="10"/>
+          <p:cNvPicPr>
+            <a:picLocks noChangeAspect="true"/>
+          </p:cNvPicPr>
+          <p:nvPr/>
+        </p:nvPicPr>
+        <p:blipFill>
+          <a:blip r:embed="rId9"/>
+          <a:stretch>
+            <a:fillRect/>
+          </a:stretch>
+        </p:blipFill>
+        <p:spPr>
+          <a:xfrm rot="0">
+            <a:off x="17106900" y="736600"/>
+            <a:ext cx="228600" cy="279400"/>
+          </a:xfrm>
+          <a:prstGeom prst="rect">
+            <a:avLst/>
+          </a:prstGeom>
+        </p:spPr>
+      </p:pic>
+      <p:pic>
+        <p:nvPicPr>
+          <p:cNvPr name="Picture 11" id="11"/>
+          <p:cNvPicPr>
+            <a:picLocks noChangeAspect="true"/>
+          </p:cNvPicPr>
+          <p:nvPr/>
+        </p:nvPicPr>
+        <p:blipFill>
+          <a:blip r:embed="rId10"/>
+          <a:stretch>
+            <a:fillRect/>
+          </a:stretch>
+        </p:blipFill>
+        <p:spPr>
+          <a:xfrm rot="0">
+            <a:off x="1117600" y="1422400"/>
+            <a:ext cx="1003300" cy="1003300"/>
+          </a:xfrm>
+          <a:prstGeom prst="rect">
+            <a:avLst/>
+          </a:prstGeom>
+        </p:spPr>
+      </p:pic>
+      <p:pic>
+        <p:nvPicPr>
+          <p:cNvPr name="Picture 12" id="12"/>
+          <p:cNvPicPr>
+            <a:picLocks noChangeAspect="true"/>
+          </p:cNvPicPr>
+          <p:nvPr/>
+        </p:nvPicPr>
+        <p:blipFill>
+          <a:blip r:embed="rId11"/>
+          <a:stretch>
+            <a:fillRect/>
+          </a:stretch>
+        </p:blipFill>
+        <p:spPr>
+          <a:xfrm rot="0">
+            <a:off x="8648700" y="1689100"/>
+            <a:ext cx="1003300" cy="1003300"/>
+          </a:xfrm>
+          <a:prstGeom prst="rect">
+            <a:avLst/>
+          </a:prstGeom>
+        </p:spPr>
+      </p:pic>
+      <p:pic>
+        <p:nvPicPr>
+          <p:cNvPr name="Picture 13" id="13"/>
+          <p:cNvPicPr>
+            <a:picLocks noChangeAspect="true"/>
+          </p:cNvPicPr>
+          <p:nvPr/>
+        </p:nvPicPr>
+        <p:blipFill>
+          <a:blip r:embed="rId12"/>
+          <a:stretch>
+            <a:fillRect/>
+          </a:stretch>
+        </p:blipFill>
+        <p:spPr>
+          <a:xfrm rot="0">
+            <a:off x="2057400" y="4724400"/>
+            <a:ext cx="1003300" cy="1003300"/>
           </a:xfrm>
           <a:prstGeom prst="rect">
             <a:avLst/>
@@ -7915,7 +8034,7 @@
       </p:pic>
       <p:grpSp>
         <p:nvGrpSpPr>
-          <p:cNvPr name="Group 6" id="6"/>
+          <p:cNvPr name="Group 14" id="14"/>
           <p:cNvGrpSpPr/>
           <p:nvPr/>
         </p:nvGrpSpPr>
@@ -7928,46 +8047,22 @@
       </p:grpSp>
       <p:pic>
         <p:nvPicPr>
-          <p:cNvPr name="Picture 7" id="7"/>
-          <p:cNvPicPr>
-            <a:picLocks noChangeAspect="true"/>
-          </p:cNvPicPr>
-          <p:nvPr/>
-        </p:nvPicPr>
-        <p:blipFill>
-          <a:blip r:embed="rId5"/>
-          <a:stretch>
-            <a:fillRect/>
-          </a:stretch>
-        </p:blipFill>
-        <p:spPr>
-          <a:xfrm rot="0">
-            <a:off x="-952500" y="-2159000"/>
-            <a:ext cx="9029700" cy="15875000"/>
-          </a:xfrm>
-          <a:prstGeom prst="rect">
-            <a:avLst/>
-          </a:prstGeom>
-        </p:spPr>
-      </p:pic>
-      <p:pic>
-        <p:nvPicPr>
-          <p:cNvPr name="Picture 8" id="8"/>
-          <p:cNvPicPr>
-            <a:picLocks noChangeAspect="true"/>
-          </p:cNvPicPr>
-          <p:nvPr/>
-        </p:nvPicPr>
-        <p:blipFill>
-          <a:blip r:embed="rId6"/>
-          <a:stretch>
-            <a:fillRect/>
-          </a:stretch>
-        </p:blipFill>
-        <p:spPr>
-          <a:xfrm rot="0">
-            <a:off x="1231900" y="1651000"/>
-            <a:ext cx="4508500" cy="7937500"/>
+          <p:cNvPr name="Picture 15" id="15"/>
+          <p:cNvPicPr>
+            <a:picLocks noChangeAspect="true"/>
+          </p:cNvPicPr>
+          <p:nvPr/>
+        </p:nvPicPr>
+        <p:blipFill>
+          <a:blip r:embed="rId13"/>
+          <a:stretch>
+            <a:fillRect/>
+          </a:stretch>
+        </p:blipFill>
+        <p:spPr>
+          <a:xfrm rot="0">
+            <a:off x="1892300" y="1917700"/>
+            <a:ext cx="6172200" cy="2451100"/>
           </a:xfrm>
           <a:prstGeom prst="rect">
             <a:avLst/>
@@ -7976,7 +8071,7 @@
       </p:pic>
       <p:grpSp>
         <p:nvGrpSpPr>
-          <p:cNvPr name="Group 9" id="9"/>
+          <p:cNvPr name="Group 16" id="16"/>
           <p:cNvGrpSpPr/>
           <p:nvPr/>
         </p:nvGrpSpPr>
@@ -7989,46 +8084,118 @@
       </p:grpSp>
       <p:pic>
         <p:nvPicPr>
-          <p:cNvPr name="Picture 10" id="10"/>
-          <p:cNvPicPr>
-            <a:picLocks noChangeAspect="true"/>
-          </p:cNvPicPr>
-          <p:nvPr/>
-        </p:nvPicPr>
-        <p:blipFill>
-          <a:blip r:embed="rId7"/>
-          <a:stretch>
-            <a:fillRect/>
-          </a:stretch>
-        </p:blipFill>
-        <p:spPr>
-          <a:xfrm rot="0">
-            <a:off x="1295400" y="317500"/>
-            <a:ext cx="21463000" cy="6959600"/>
-          </a:xfrm>
-          <a:prstGeom prst="rect">
-            <a:avLst/>
-          </a:prstGeom>
-        </p:spPr>
-      </p:pic>
-      <p:pic>
-        <p:nvPicPr>
-          <p:cNvPr name="Picture 11" id="11"/>
-          <p:cNvPicPr>
-            <a:picLocks noChangeAspect="true"/>
-          </p:cNvPicPr>
-          <p:nvPr/>
-        </p:nvPicPr>
-        <p:blipFill>
-          <a:blip r:embed="rId8"/>
-          <a:stretch>
-            <a:fillRect/>
-          </a:stretch>
-        </p:blipFill>
-        <p:spPr>
-          <a:xfrm rot="0">
-            <a:off x="6616700" y="1930400"/>
-            <a:ext cx="10731500" cy="3479800"/>
+          <p:cNvPr name="Picture 17" id="17"/>
+          <p:cNvPicPr>
+            <a:picLocks noChangeAspect="true"/>
+          </p:cNvPicPr>
+          <p:nvPr/>
+        </p:nvPicPr>
+        <p:blipFill>
+          <a:blip r:embed="rId14"/>
+          <a:stretch>
+            <a:fillRect/>
+          </a:stretch>
+        </p:blipFill>
+        <p:spPr>
+          <a:xfrm rot="0">
+            <a:off x="9334500" y="2197100"/>
+            <a:ext cx="6172200" cy="4660900"/>
+          </a:xfrm>
+          <a:prstGeom prst="rect">
+            <a:avLst/>
+          </a:prstGeom>
+        </p:spPr>
+      </p:pic>
+      <p:pic>
+        <p:nvPicPr>
+          <p:cNvPr name="Picture 18" id="18"/>
+          <p:cNvPicPr>
+            <a:picLocks noChangeAspect="true"/>
+          </p:cNvPicPr>
+          <p:nvPr/>
+        </p:nvPicPr>
+        <p:blipFill>
+          <a:blip r:embed="rId15"/>
+          <a:stretch>
+            <a:fillRect/>
+          </a:stretch>
+        </p:blipFill>
+        <p:spPr>
+          <a:xfrm rot="0">
+            <a:off x="5092700" y="609600"/>
+            <a:ext cx="6553200" cy="673100"/>
+          </a:xfrm>
+          <a:prstGeom prst="rect">
+            <a:avLst/>
+          </a:prstGeom>
+        </p:spPr>
+      </p:pic>
+      <p:pic>
+        <p:nvPicPr>
+          <p:cNvPr name="Picture 19" id="19"/>
+          <p:cNvPicPr>
+            <a:picLocks noChangeAspect="true"/>
+          </p:cNvPicPr>
+          <p:nvPr/>
+        </p:nvPicPr>
+        <p:blipFill>
+          <a:blip r:embed="rId16"/>
+          <a:stretch>
+            <a:fillRect/>
+          </a:stretch>
+        </p:blipFill>
+        <p:spPr>
+          <a:xfrm rot="0">
+            <a:off x="660400" y="1244600"/>
+            <a:ext cx="1866900" cy="1460500"/>
+          </a:xfrm>
+          <a:prstGeom prst="rect">
+            <a:avLst/>
+          </a:prstGeom>
+        </p:spPr>
+      </p:pic>
+      <p:pic>
+        <p:nvPicPr>
+          <p:cNvPr name="Picture 20" id="20"/>
+          <p:cNvPicPr>
+            <a:picLocks noChangeAspect="true"/>
+          </p:cNvPicPr>
+          <p:nvPr/>
+        </p:nvPicPr>
+        <p:blipFill>
+          <a:blip r:embed="rId17"/>
+          <a:stretch>
+            <a:fillRect/>
+          </a:stretch>
+        </p:blipFill>
+        <p:spPr>
+          <a:xfrm rot="0">
+            <a:off x="8229600" y="1524000"/>
+            <a:ext cx="1866900" cy="1447800"/>
+          </a:xfrm>
+          <a:prstGeom prst="rect">
+            <a:avLst/>
+          </a:prstGeom>
+        </p:spPr>
+      </p:pic>
+      <p:pic>
+        <p:nvPicPr>
+          <p:cNvPr name="Picture 21" id="21"/>
+          <p:cNvPicPr>
+            <a:picLocks noChangeAspect="true"/>
+          </p:cNvPicPr>
+          <p:nvPr/>
+        </p:nvPicPr>
+        <p:blipFill>
+          <a:blip r:embed="rId18"/>
+          <a:stretch>
+            <a:fillRect/>
+          </a:stretch>
+        </p:blipFill>
+        <p:spPr>
+          <a:xfrm rot="0">
+            <a:off x="1651000" y="4559300"/>
+            <a:ext cx="1854200" cy="1460500"/>
           </a:xfrm>
           <a:prstGeom prst="rect">
             <a:avLst/>
@@ -8037,7 +8204,7 @@
       </p:pic>
       <p:grpSp>
         <p:nvGrpSpPr>
-          <p:cNvPr name="Group 12" id="12"/>
+          <p:cNvPr name="Group 22" id="22"/>
           <p:cNvGrpSpPr/>
           <p:nvPr/>
         </p:nvGrpSpPr>
@@ -8050,235 +8217,6 @@
       </p:grpSp>
       <p:pic>
         <p:nvPicPr>
-          <p:cNvPr name="Picture 13" id="13"/>
-          <p:cNvPicPr>
-            <a:picLocks noChangeAspect="true"/>
-          </p:cNvPicPr>
-          <p:nvPr/>
-        </p:nvPicPr>
-        <p:blipFill>
-          <a:blip r:embed="rId7"/>
-          <a:stretch>
-            <a:fillRect/>
-          </a:stretch>
-        </p:blipFill>
-        <p:spPr>
-          <a:xfrm rot="0">
-            <a:off x="1295400" y="4152900"/>
-            <a:ext cx="21463000" cy="6959600"/>
-          </a:xfrm>
-          <a:prstGeom prst="rect">
-            <a:avLst/>
-          </a:prstGeom>
-        </p:spPr>
-      </p:pic>
-      <p:pic>
-        <p:nvPicPr>
-          <p:cNvPr name="Picture 14" id="14"/>
-          <p:cNvPicPr>
-            <a:picLocks noChangeAspect="true"/>
-          </p:cNvPicPr>
-          <p:nvPr/>
-        </p:nvPicPr>
-        <p:blipFill>
-          <a:blip r:embed="rId8"/>
-          <a:stretch>
-            <a:fillRect/>
-          </a:stretch>
-        </p:blipFill>
-        <p:spPr>
-          <a:xfrm rot="0">
-            <a:off x="6616700" y="5778500"/>
-            <a:ext cx="10731500" cy="3479800"/>
-          </a:xfrm>
-          <a:prstGeom prst="rect">
-            <a:avLst/>
-          </a:prstGeom>
-        </p:spPr>
-      </p:pic>
-      <p:pic>
-        <p:nvPicPr>
-          <p:cNvPr name="Picture 15" id="15"/>
-          <p:cNvPicPr>
-            <a:picLocks noChangeAspect="true"/>
-          </p:cNvPicPr>
-          <p:nvPr/>
-        </p:nvPicPr>
-        <p:blipFill>
-          <a:blip r:embed="rId9"/>
-          <a:stretch>
-            <a:fillRect/>
-          </a:stretch>
-        </p:blipFill>
-        <p:spPr>
-          <a:xfrm rot="0">
-            <a:off x="457200" y="431800"/>
-            <a:ext cx="17360900" cy="901700"/>
-          </a:xfrm>
-          <a:prstGeom prst="rect">
-            <a:avLst/>
-          </a:prstGeom>
-        </p:spPr>
-      </p:pic>
-      <p:pic>
-        <p:nvPicPr>
-          <p:cNvPr name="Picture 16" id="16"/>
-          <p:cNvPicPr>
-            <a:picLocks noChangeAspect="true"/>
-          </p:cNvPicPr>
-          <p:nvPr/>
-        </p:nvPicPr>
-        <p:blipFill>
-          <a:blip r:embed="rId10"/>
-          <a:stretch>
-            <a:fillRect/>
-          </a:stretch>
-        </p:blipFill>
-        <p:spPr>
-          <a:xfrm rot="0">
-            <a:off x="5499100" y="660400"/>
-            <a:ext cx="7289800" cy="444500"/>
-          </a:xfrm>
-          <a:prstGeom prst="rect">
-            <a:avLst/>
-          </a:prstGeom>
-        </p:spPr>
-      </p:pic>
-      <p:pic>
-        <p:nvPicPr>
-          <p:cNvPr name="Picture 17" id="17"/>
-          <p:cNvPicPr>
-            <a:picLocks noChangeAspect="true"/>
-          </p:cNvPicPr>
-          <p:nvPr/>
-        </p:nvPicPr>
-        <p:blipFill>
-          <a:blip r:embed="rId11"/>
-          <a:stretch>
-            <a:fillRect/>
-          </a:stretch>
-        </p:blipFill>
-        <p:spPr>
-          <a:xfrm rot="0">
-            <a:off x="939800" y="774700"/>
-            <a:ext cx="228600" cy="228600"/>
-          </a:xfrm>
-          <a:prstGeom prst="rect">
-            <a:avLst/>
-          </a:prstGeom>
-        </p:spPr>
-      </p:pic>
-      <p:pic>
-        <p:nvPicPr>
-          <p:cNvPr name="Picture 18" id="18"/>
-          <p:cNvPicPr>
-            <a:picLocks noChangeAspect="true"/>
-          </p:cNvPicPr>
-          <p:nvPr/>
-        </p:nvPicPr>
-        <p:blipFill>
-          <a:blip r:embed="rId12"/>
-          <a:stretch>
-            <a:fillRect/>
-          </a:stretch>
-        </p:blipFill>
-        <p:spPr>
-          <a:xfrm rot="0">
-            <a:off x="1308100" y="774700"/>
-            <a:ext cx="228600" cy="228600"/>
-          </a:xfrm>
-          <a:prstGeom prst="rect">
-            <a:avLst/>
-          </a:prstGeom>
-        </p:spPr>
-      </p:pic>
-      <p:pic>
-        <p:nvPicPr>
-          <p:cNvPr name="Picture 19" id="19"/>
-          <p:cNvPicPr>
-            <a:picLocks noChangeAspect="true"/>
-          </p:cNvPicPr>
-          <p:nvPr/>
-        </p:nvPicPr>
-        <p:blipFill>
-          <a:blip r:embed="rId13"/>
-          <a:stretch>
-            <a:fillRect/>
-          </a:stretch>
-        </p:blipFill>
-        <p:spPr>
-          <a:xfrm rot="0">
-            <a:off x="1663700" y="774700"/>
-            <a:ext cx="228600" cy="228600"/>
-          </a:xfrm>
-          <a:prstGeom prst="rect">
-            <a:avLst/>
-          </a:prstGeom>
-        </p:spPr>
-      </p:pic>
-      <p:pic>
-        <p:nvPicPr>
-          <p:cNvPr name="Picture 20" id="20"/>
-          <p:cNvPicPr>
-            <a:picLocks noChangeAspect="true"/>
-          </p:cNvPicPr>
-          <p:nvPr/>
-        </p:nvPicPr>
-        <p:blipFill>
-          <a:blip r:embed="rId14"/>
-          <a:stretch>
-            <a:fillRect/>
-          </a:stretch>
-        </p:blipFill>
-        <p:spPr>
-          <a:xfrm rot="0">
-            <a:off x="17106900" y="736600"/>
-            <a:ext cx="228600" cy="279400"/>
-          </a:xfrm>
-          <a:prstGeom prst="rect">
-            <a:avLst/>
-          </a:prstGeom>
-        </p:spPr>
-      </p:pic>
-      <p:grpSp>
-        <p:nvGrpSpPr>
-          <p:cNvPr name="Group 21" id="21"/>
-          <p:cNvGrpSpPr/>
-          <p:nvPr/>
-        </p:nvGrpSpPr>
-        <p:grpSpPr>
-          <a:xfrm>
-            <a:off x="2147483647" y="2147483647"/>
-            <a:ext cx="2147483647" cy="2147483647"/>
-          </a:xfrm>
-        </p:grpSpPr>
-      </p:grpSp>
-      <p:pic>
-        <p:nvPicPr>
-          <p:cNvPr name="Picture 22" id="22"/>
-          <p:cNvPicPr>
-            <a:picLocks noChangeAspect="true"/>
-          </p:cNvPicPr>
-          <p:nvPr/>
-        </p:nvPicPr>
-        <p:blipFill>
-          <a:blip r:embed="rId15"/>
-          <a:stretch>
-            <a:fillRect/>
-          </a:stretch>
-        </p:blipFill>
-        <p:spPr>
-          <a:xfrm rot="0">
-            <a:off x="1473200" y="1778000"/>
-            <a:ext cx="4051300" cy="7683500"/>
-          </a:xfrm>
-          <a:prstGeom prst="rect">
-            <a:avLst/>
-          </a:prstGeom>
-        </p:spPr>
-      </p:pic>
-      <p:pic>
-        <p:nvPicPr>
           <p:cNvPr name="Picture 23" id="23"/>
           <p:cNvPicPr>
             <a:picLocks noChangeAspect="true"/>
@@ -8286,78 +8224,6 @@
           <p:nvPr/>
         </p:nvPicPr>
         <p:blipFill>
-          <a:blip r:embed="rId16"/>
-          <a:stretch>
-            <a:fillRect/>
-          </a:stretch>
-        </p:blipFill>
-        <p:spPr>
-          <a:xfrm rot="0">
-            <a:off x="5194300" y="609600"/>
-            <a:ext cx="6464300" cy="673100"/>
-          </a:xfrm>
-          <a:prstGeom prst="rect">
-            <a:avLst/>
-          </a:prstGeom>
-        </p:spPr>
-      </p:pic>
-      <p:pic>
-        <p:nvPicPr>
-          <p:cNvPr name="Picture 24" id="24"/>
-          <p:cNvPicPr>
-            <a:picLocks noChangeAspect="true"/>
-          </p:cNvPicPr>
-          <p:nvPr/>
-        </p:nvPicPr>
-        <p:blipFill>
-          <a:blip r:embed="rId17"/>
-          <a:stretch>
-            <a:fillRect/>
-          </a:stretch>
-        </p:blipFill>
-        <p:spPr>
-          <a:xfrm rot="0">
-            <a:off x="7213600" y="2222500"/>
-            <a:ext cx="5676900" cy="1193800"/>
-          </a:xfrm>
-          <a:prstGeom prst="rect">
-            <a:avLst/>
-          </a:prstGeom>
-        </p:spPr>
-      </p:pic>
-      <p:pic>
-        <p:nvPicPr>
-          <p:cNvPr name="Picture 25" id="25"/>
-          <p:cNvPicPr>
-            <a:picLocks noChangeAspect="true"/>
-          </p:cNvPicPr>
-          <p:nvPr/>
-        </p:nvPicPr>
-        <p:blipFill>
-          <a:blip r:embed="rId18"/>
-          <a:stretch>
-            <a:fillRect/>
-          </a:stretch>
-        </p:blipFill>
-        <p:spPr>
-          <a:xfrm rot="0">
-            <a:off x="7137400" y="3314700"/>
-            <a:ext cx="4191000" cy="1435100"/>
-          </a:xfrm>
-          <a:prstGeom prst="rect">
-            <a:avLst/>
-          </a:prstGeom>
-        </p:spPr>
-      </p:pic>
-      <p:pic>
-        <p:nvPicPr>
-          <p:cNvPr name="Picture 26" id="26"/>
-          <p:cNvPicPr>
-            <a:picLocks noChangeAspect="true"/>
-          </p:cNvPicPr>
-          <p:nvPr/>
-        </p:nvPicPr>
-        <p:blipFill>
           <a:blip r:embed="rId19"/>
           <a:stretch>
             <a:fillRect/>
@@ -8365,32 +8231,8 @@
         </p:blipFill>
         <p:spPr>
           <a:xfrm rot="0">
-            <a:off x="7200900" y="6057900"/>
-            <a:ext cx="4013200" cy="1193800"/>
-          </a:xfrm>
-          <a:prstGeom prst="rect">
-            <a:avLst/>
-          </a:prstGeom>
-        </p:spPr>
-      </p:pic>
-      <p:pic>
-        <p:nvPicPr>
-          <p:cNvPr name="Picture 27" id="27"/>
-          <p:cNvPicPr>
-            <a:picLocks noChangeAspect="true"/>
-          </p:cNvPicPr>
-          <p:nvPr/>
-        </p:nvPicPr>
-        <p:blipFill>
-          <a:blip r:embed="rId20"/>
-          <a:stretch>
-            <a:fillRect/>
-          </a:stretch>
-        </p:blipFill>
-        <p:spPr>
-          <a:xfrm rot="0">
-            <a:off x="7213600" y="7023100"/>
-            <a:ext cx="5918200" cy="1435100"/>
+            <a:off x="2768600" y="5283200"/>
+            <a:ext cx="6172200" cy="4381500"/>
           </a:xfrm>
           <a:prstGeom prst="rect">
             <a:avLst/>
@@ -8458,8 +8300,8 @@
         </p:blipFill>
         <p:spPr>
           <a:xfrm rot="0">
-            <a:off x="-8077200" y="-3949700"/>
-            <a:ext cx="34721800" cy="18859500"/>
+            <a:off x="-3657600" y="-3987800"/>
+            <a:ext cx="16967200" cy="18859500"/>
           </a:xfrm>
           <a:prstGeom prst="rect">
             <a:avLst/>
@@ -8483,223 +8325,7 @@
         <p:spPr>
           <a:xfrm rot="0">
             <a:off x="457200" y="431800"/>
-            <a:ext cx="17360900" cy="9423400"/>
-          </a:xfrm>
-          <a:prstGeom prst="rect">
-            <a:avLst/>
-          </a:prstGeom>
-        </p:spPr>
-      </p:pic>
-      <p:pic>
-        <p:nvPicPr>
-          <p:cNvPr name="Picture 5" id="5"/>
-          <p:cNvPicPr>
-            <a:picLocks noChangeAspect="true"/>
-          </p:cNvPicPr>
-          <p:nvPr/>
-        </p:nvPicPr>
-        <p:blipFill>
-          <a:blip r:embed="rId4"/>
-          <a:stretch>
-            <a:fillRect/>
-          </a:stretch>
-        </p:blipFill>
-        <p:spPr>
-          <a:xfrm rot="0">
-            <a:off x="457200" y="431800"/>
-            <a:ext cx="17360900" cy="901700"/>
-          </a:xfrm>
-          <a:prstGeom prst="rect">
-            <a:avLst/>
-          </a:prstGeom>
-        </p:spPr>
-      </p:pic>
-      <p:pic>
-        <p:nvPicPr>
-          <p:cNvPr name="Picture 6" id="6"/>
-          <p:cNvPicPr>
-            <a:picLocks noChangeAspect="true"/>
-          </p:cNvPicPr>
-          <p:nvPr/>
-        </p:nvPicPr>
-        <p:blipFill>
-          <a:blip r:embed="rId5"/>
-          <a:stretch>
-            <a:fillRect/>
-          </a:stretch>
-        </p:blipFill>
-        <p:spPr>
-          <a:xfrm rot="0">
-            <a:off x="5499100" y="660400"/>
-            <a:ext cx="7289800" cy="444500"/>
-          </a:xfrm>
-          <a:prstGeom prst="rect">
-            <a:avLst/>
-          </a:prstGeom>
-        </p:spPr>
-      </p:pic>
-      <p:pic>
-        <p:nvPicPr>
-          <p:cNvPr name="Picture 7" id="7"/>
-          <p:cNvPicPr>
-            <a:picLocks noChangeAspect="true"/>
-          </p:cNvPicPr>
-          <p:nvPr/>
-        </p:nvPicPr>
-        <p:blipFill>
-          <a:blip r:embed="rId6"/>
-          <a:stretch>
-            <a:fillRect/>
-          </a:stretch>
-        </p:blipFill>
-        <p:spPr>
-          <a:xfrm rot="0">
-            <a:off x="939800" y="774700"/>
-            <a:ext cx="228600" cy="228600"/>
-          </a:xfrm>
-          <a:prstGeom prst="rect">
-            <a:avLst/>
-          </a:prstGeom>
-        </p:spPr>
-      </p:pic>
-      <p:pic>
-        <p:nvPicPr>
-          <p:cNvPr name="Picture 8" id="8"/>
-          <p:cNvPicPr>
-            <a:picLocks noChangeAspect="true"/>
-          </p:cNvPicPr>
-          <p:nvPr/>
-        </p:nvPicPr>
-        <p:blipFill>
-          <a:blip r:embed="rId7"/>
-          <a:stretch>
-            <a:fillRect/>
-          </a:stretch>
-        </p:blipFill>
-        <p:spPr>
-          <a:xfrm rot="0">
-            <a:off x="1308100" y="774700"/>
-            <a:ext cx="228600" cy="228600"/>
-          </a:xfrm>
-          <a:prstGeom prst="rect">
-            <a:avLst/>
-          </a:prstGeom>
-        </p:spPr>
-      </p:pic>
-      <p:pic>
-        <p:nvPicPr>
-          <p:cNvPr name="Picture 9" id="9"/>
-          <p:cNvPicPr>
-            <a:picLocks noChangeAspect="true"/>
-          </p:cNvPicPr>
-          <p:nvPr/>
-        </p:nvPicPr>
-        <p:blipFill>
-          <a:blip r:embed="rId8"/>
-          <a:stretch>
-            <a:fillRect/>
-          </a:stretch>
-        </p:blipFill>
-        <p:spPr>
-          <a:xfrm rot="0">
-            <a:off x="1663700" y="774700"/>
-            <a:ext cx="228600" cy="228600"/>
-          </a:xfrm>
-          <a:prstGeom prst="rect">
-            <a:avLst/>
-          </a:prstGeom>
-        </p:spPr>
-      </p:pic>
-      <p:pic>
-        <p:nvPicPr>
-          <p:cNvPr name="Picture 10" id="10"/>
-          <p:cNvPicPr>
-            <a:picLocks noChangeAspect="true"/>
-          </p:cNvPicPr>
-          <p:nvPr/>
-        </p:nvPicPr>
-        <p:blipFill>
-          <a:blip r:embed="rId9"/>
-          <a:stretch>
-            <a:fillRect/>
-          </a:stretch>
-        </p:blipFill>
-        <p:spPr>
-          <a:xfrm rot="0">
-            <a:off x="17106900" y="736600"/>
-            <a:ext cx="228600" cy="279400"/>
-          </a:xfrm>
-          <a:prstGeom prst="rect">
-            <a:avLst/>
-          </a:prstGeom>
-        </p:spPr>
-      </p:pic>
-      <p:pic>
-        <p:nvPicPr>
-          <p:cNvPr name="Picture 11" id="11"/>
-          <p:cNvPicPr>
-            <a:picLocks noChangeAspect="true"/>
-          </p:cNvPicPr>
-          <p:nvPr/>
-        </p:nvPicPr>
-        <p:blipFill>
-          <a:blip r:embed="rId10"/>
-          <a:stretch>
-            <a:fillRect/>
-          </a:stretch>
-        </p:blipFill>
-        <p:spPr>
-          <a:xfrm rot="0">
-            <a:off x="1117600" y="1422400"/>
-            <a:ext cx="1003300" cy="1003300"/>
-          </a:xfrm>
-          <a:prstGeom prst="rect">
-            <a:avLst/>
-          </a:prstGeom>
-        </p:spPr>
-      </p:pic>
-      <p:pic>
-        <p:nvPicPr>
-          <p:cNvPr name="Picture 12" id="12"/>
-          <p:cNvPicPr>
-            <a:picLocks noChangeAspect="true"/>
-          </p:cNvPicPr>
-          <p:nvPr/>
-        </p:nvPicPr>
-        <p:blipFill>
-          <a:blip r:embed="rId11"/>
-          <a:stretch>
-            <a:fillRect/>
-          </a:stretch>
-        </p:blipFill>
-        <p:spPr>
-          <a:xfrm rot="0">
-            <a:off x="8648700" y="1689100"/>
-            <a:ext cx="1003300" cy="1003300"/>
-          </a:xfrm>
-          <a:prstGeom prst="rect">
-            <a:avLst/>
-          </a:prstGeom>
-        </p:spPr>
-      </p:pic>
-      <p:pic>
-        <p:nvPicPr>
-          <p:cNvPr name="Picture 13" id="13"/>
-          <p:cNvPicPr>
-            <a:picLocks noChangeAspect="true"/>
-          </p:cNvPicPr>
-          <p:nvPr/>
-        </p:nvPicPr>
-        <p:blipFill>
-          <a:blip r:embed="rId12"/>
-          <a:stretch>
-            <a:fillRect/>
-          </a:stretch>
-        </p:blipFill>
-        <p:spPr>
-          <a:xfrm rot="0">
-            <a:off x="2057400" y="4724400"/>
-            <a:ext cx="1003300" cy="1003300"/>
+            <a:ext cx="8483600" cy="9423400"/>
           </a:xfrm>
           <a:prstGeom prst="rect">
             <a:avLst/>
@@ -8708,7 +8334,7 @@
       </p:pic>
       <p:grpSp>
         <p:nvGrpSpPr>
-          <p:cNvPr name="Group 14" id="14"/>
+          <p:cNvPr name="Group 5" id="5"/>
           <p:cNvGrpSpPr/>
           <p:nvPr/>
         </p:nvGrpSpPr>
@@ -8721,22 +8347,166 @@
       </p:grpSp>
       <p:pic>
         <p:nvPicPr>
-          <p:cNvPr name="Picture 15" id="15"/>
-          <p:cNvPicPr>
-            <a:picLocks noChangeAspect="true"/>
-          </p:cNvPicPr>
-          <p:nvPr/>
-        </p:nvPicPr>
-        <p:blipFill>
-          <a:blip r:embed="rId13"/>
-          <a:stretch>
-            <a:fillRect/>
-          </a:stretch>
-        </p:blipFill>
-        <p:spPr>
-          <a:xfrm rot="0">
-            <a:off x="1892300" y="1917700"/>
-            <a:ext cx="6172200" cy="2451100"/>
+          <p:cNvPr name="Picture 6" id="6"/>
+          <p:cNvPicPr>
+            <a:picLocks noChangeAspect="true"/>
+          </p:cNvPicPr>
+          <p:nvPr/>
+        </p:nvPicPr>
+        <p:blipFill>
+          <a:blip r:embed="rId2"/>
+          <a:stretch>
+            <a:fillRect/>
+          </a:stretch>
+        </p:blipFill>
+        <p:spPr>
+          <a:xfrm rot="0">
+            <a:off x="5219700" y="-3987800"/>
+            <a:ext cx="16967200" cy="18859500"/>
+          </a:xfrm>
+          <a:prstGeom prst="rect">
+            <a:avLst/>
+          </a:prstGeom>
+        </p:spPr>
+      </p:pic>
+      <p:pic>
+        <p:nvPicPr>
+          <p:cNvPr name="Picture 7" id="7"/>
+          <p:cNvPicPr>
+            <a:picLocks noChangeAspect="true"/>
+          </p:cNvPicPr>
+          <p:nvPr/>
+        </p:nvPicPr>
+        <p:blipFill>
+          <a:blip r:embed="rId3"/>
+          <a:stretch>
+            <a:fillRect/>
+          </a:stretch>
+        </p:blipFill>
+        <p:spPr>
+          <a:xfrm rot="0">
+            <a:off x="9334500" y="431800"/>
+            <a:ext cx="8483600" cy="9423400"/>
+          </a:xfrm>
+          <a:prstGeom prst="rect">
+            <a:avLst/>
+          </a:prstGeom>
+        </p:spPr>
+      </p:pic>
+      <p:pic>
+        <p:nvPicPr>
+          <p:cNvPr name="Picture 8" id="8"/>
+          <p:cNvPicPr>
+            <a:picLocks noChangeAspect="true"/>
+          </p:cNvPicPr>
+          <p:nvPr/>
+        </p:nvPicPr>
+        <p:blipFill>
+          <a:blip r:embed="rId4"/>
+          <a:stretch>
+            <a:fillRect/>
+          </a:stretch>
+        </p:blipFill>
+        <p:spPr>
+          <a:xfrm rot="0">
+            <a:off x="9334500" y="431800"/>
+            <a:ext cx="8483600" cy="901700"/>
+          </a:xfrm>
+          <a:prstGeom prst="rect">
+            <a:avLst/>
+          </a:prstGeom>
+        </p:spPr>
+      </p:pic>
+      <p:pic>
+        <p:nvPicPr>
+          <p:cNvPr name="Picture 9" id="9"/>
+          <p:cNvPicPr>
+            <a:picLocks noChangeAspect="true"/>
+          </p:cNvPicPr>
+          <p:nvPr/>
+        </p:nvPicPr>
+        <p:blipFill>
+          <a:blip r:embed="rId5"/>
+          <a:stretch>
+            <a:fillRect/>
+          </a:stretch>
+        </p:blipFill>
+        <p:spPr>
+          <a:xfrm rot="0">
+            <a:off x="9817100" y="774700"/>
+            <a:ext cx="228600" cy="228600"/>
+          </a:xfrm>
+          <a:prstGeom prst="rect">
+            <a:avLst/>
+          </a:prstGeom>
+        </p:spPr>
+      </p:pic>
+      <p:pic>
+        <p:nvPicPr>
+          <p:cNvPr name="Picture 10" id="10"/>
+          <p:cNvPicPr>
+            <a:picLocks noChangeAspect="true"/>
+          </p:cNvPicPr>
+          <p:nvPr/>
+        </p:nvPicPr>
+        <p:blipFill>
+          <a:blip r:embed="rId6"/>
+          <a:stretch>
+            <a:fillRect/>
+          </a:stretch>
+        </p:blipFill>
+        <p:spPr>
+          <a:xfrm rot="0">
+            <a:off x="10185400" y="774700"/>
+            <a:ext cx="228600" cy="228600"/>
+          </a:xfrm>
+          <a:prstGeom prst="rect">
+            <a:avLst/>
+          </a:prstGeom>
+        </p:spPr>
+      </p:pic>
+      <p:pic>
+        <p:nvPicPr>
+          <p:cNvPr name="Picture 11" id="11"/>
+          <p:cNvPicPr>
+            <a:picLocks noChangeAspect="true"/>
+          </p:cNvPicPr>
+          <p:nvPr/>
+        </p:nvPicPr>
+        <p:blipFill>
+          <a:blip r:embed="rId7"/>
+          <a:stretch>
+            <a:fillRect/>
+          </a:stretch>
+        </p:blipFill>
+        <p:spPr>
+          <a:xfrm rot="0">
+            <a:off x="10541000" y="774700"/>
+            <a:ext cx="228600" cy="228600"/>
+          </a:xfrm>
+          <a:prstGeom prst="rect">
+            <a:avLst/>
+          </a:prstGeom>
+        </p:spPr>
+      </p:pic>
+      <p:pic>
+        <p:nvPicPr>
+          <p:cNvPr name="Picture 12" id="12"/>
+          <p:cNvPicPr>
+            <a:picLocks noChangeAspect="true"/>
+          </p:cNvPicPr>
+          <p:nvPr/>
+        </p:nvPicPr>
+        <p:blipFill>
+          <a:blip r:embed="rId8"/>
+          <a:stretch>
+            <a:fillRect/>
+          </a:stretch>
+        </p:blipFill>
+        <p:spPr>
+          <a:xfrm rot="0">
+            <a:off x="11493500" y="660400"/>
+            <a:ext cx="4191000" cy="444500"/>
           </a:xfrm>
           <a:prstGeom prst="rect">
             <a:avLst/>
@@ -8745,7 +8515,7 @@
       </p:pic>
       <p:grpSp>
         <p:nvGrpSpPr>
-          <p:cNvPr name="Group 16" id="16"/>
+          <p:cNvPr name="Group 13" id="13"/>
           <p:cNvGrpSpPr/>
           <p:nvPr/>
         </p:nvGrpSpPr>
@@ -8758,118 +8528,22 @@
       </p:grpSp>
       <p:pic>
         <p:nvPicPr>
-          <p:cNvPr name="Picture 17" id="17"/>
-          <p:cNvPicPr>
-            <a:picLocks noChangeAspect="true"/>
-          </p:cNvPicPr>
-          <p:nvPr/>
-        </p:nvPicPr>
-        <p:blipFill>
-          <a:blip r:embed="rId14"/>
-          <a:stretch>
-            <a:fillRect/>
-          </a:stretch>
-        </p:blipFill>
-        <p:spPr>
-          <a:xfrm rot="0">
-            <a:off x="9334500" y="2197100"/>
-            <a:ext cx="6172200" cy="4660900"/>
-          </a:xfrm>
-          <a:prstGeom prst="rect">
-            <a:avLst/>
-          </a:prstGeom>
-        </p:spPr>
-      </p:pic>
-      <p:pic>
-        <p:nvPicPr>
-          <p:cNvPr name="Picture 18" id="18"/>
-          <p:cNvPicPr>
-            <a:picLocks noChangeAspect="true"/>
-          </p:cNvPicPr>
-          <p:nvPr/>
-        </p:nvPicPr>
-        <p:blipFill>
-          <a:blip r:embed="rId15"/>
-          <a:stretch>
-            <a:fillRect/>
-          </a:stretch>
-        </p:blipFill>
-        <p:spPr>
-          <a:xfrm rot="0">
-            <a:off x="5092700" y="609600"/>
-            <a:ext cx="6553200" cy="673100"/>
-          </a:xfrm>
-          <a:prstGeom prst="rect">
-            <a:avLst/>
-          </a:prstGeom>
-        </p:spPr>
-      </p:pic>
-      <p:pic>
-        <p:nvPicPr>
-          <p:cNvPr name="Picture 19" id="19"/>
-          <p:cNvPicPr>
-            <a:picLocks noChangeAspect="true"/>
-          </p:cNvPicPr>
-          <p:nvPr/>
-        </p:nvPicPr>
-        <p:blipFill>
-          <a:blip r:embed="rId16"/>
-          <a:stretch>
-            <a:fillRect/>
-          </a:stretch>
-        </p:blipFill>
-        <p:spPr>
-          <a:xfrm rot="0">
-            <a:off x="660400" y="1244600"/>
-            <a:ext cx="1866900" cy="1460500"/>
-          </a:xfrm>
-          <a:prstGeom prst="rect">
-            <a:avLst/>
-          </a:prstGeom>
-        </p:spPr>
-      </p:pic>
-      <p:pic>
-        <p:nvPicPr>
-          <p:cNvPr name="Picture 20" id="20"/>
-          <p:cNvPicPr>
-            <a:picLocks noChangeAspect="true"/>
-          </p:cNvPicPr>
-          <p:nvPr/>
-        </p:nvPicPr>
-        <p:blipFill>
-          <a:blip r:embed="rId17"/>
-          <a:stretch>
-            <a:fillRect/>
-          </a:stretch>
-        </p:blipFill>
-        <p:spPr>
-          <a:xfrm rot="0">
-            <a:off x="8229600" y="1524000"/>
-            <a:ext cx="1866900" cy="1447800"/>
-          </a:xfrm>
-          <a:prstGeom prst="rect">
-            <a:avLst/>
-          </a:prstGeom>
-        </p:spPr>
-      </p:pic>
-      <p:pic>
-        <p:nvPicPr>
-          <p:cNvPr name="Picture 21" id="21"/>
-          <p:cNvPicPr>
-            <a:picLocks noChangeAspect="true"/>
-          </p:cNvPicPr>
-          <p:nvPr/>
-        </p:nvPicPr>
-        <p:blipFill>
-          <a:blip r:embed="rId18"/>
-          <a:stretch>
-            <a:fillRect/>
-          </a:stretch>
-        </p:blipFill>
-        <p:spPr>
-          <a:xfrm rot="0">
-            <a:off x="1651000" y="4559300"/>
-            <a:ext cx="1854200" cy="1460500"/>
+          <p:cNvPr name="Picture 14" id="14"/>
+          <p:cNvPicPr>
+            <a:picLocks noChangeAspect="true"/>
+          </p:cNvPicPr>
+          <p:nvPr/>
+        </p:nvPicPr>
+        <p:blipFill>
+          <a:blip r:embed="rId9"/>
+          <a:stretch>
+            <a:fillRect/>
+          </a:stretch>
+        </p:blipFill>
+        <p:spPr>
+          <a:xfrm rot="0">
+            <a:off x="9486900" y="2044700"/>
+            <a:ext cx="8216900" cy="5143500"/>
           </a:xfrm>
           <a:prstGeom prst="rect">
             <a:avLst/>
@@ -8878,7 +8552,7 @@
       </p:pic>
       <p:grpSp>
         <p:nvGrpSpPr>
-          <p:cNvPr name="Group 22" id="22"/>
+          <p:cNvPr name="Group 15" id="15"/>
           <p:cNvGrpSpPr/>
           <p:nvPr/>
         </p:nvGrpSpPr>
@@ -8891,6 +8565,152 @@
       </p:grpSp>
       <p:pic>
         <p:nvPicPr>
+          <p:cNvPr name="Picture 16" id="16"/>
+          <p:cNvPicPr>
+            <a:picLocks noChangeAspect="true"/>
+          </p:cNvPicPr>
+          <p:nvPr/>
+        </p:nvPicPr>
+        <p:blipFill>
+          <a:blip r:embed="rId10"/>
+          <a:stretch>
+            <a:fillRect/>
+          </a:stretch>
+        </p:blipFill>
+        <p:spPr>
+          <a:xfrm rot="0">
+            <a:off x="596900" y="774700"/>
+            <a:ext cx="5168900" cy="6172200"/>
+          </a:xfrm>
+          <a:prstGeom prst="rect">
+            <a:avLst/>
+          </a:prstGeom>
+        </p:spPr>
+      </p:pic>
+      <p:grpSp>
+        <p:nvGrpSpPr>
+          <p:cNvPr name="Group 17" id="17"/>
+          <p:cNvGrpSpPr/>
+          <p:nvPr/>
+        </p:nvGrpSpPr>
+        <p:grpSpPr>
+          <a:xfrm>
+            <a:off x="2147483647" y="2147483647"/>
+            <a:ext cx="2147483647" cy="2147483647"/>
+          </a:xfrm>
+        </p:grpSpPr>
+      </p:grpSp>
+      <p:pic>
+        <p:nvPicPr>
+          <p:cNvPr name="Picture 18" id="18"/>
+          <p:cNvPicPr>
+            <a:picLocks noChangeAspect="true"/>
+          </p:cNvPicPr>
+          <p:nvPr/>
+        </p:nvPicPr>
+        <p:blipFill>
+          <a:blip r:embed="rId11"/>
+          <a:stretch>
+            <a:fillRect/>
+          </a:stretch>
+        </p:blipFill>
+        <p:spPr>
+          <a:xfrm rot="0">
+            <a:off x="3086100" y="4584700"/>
+            <a:ext cx="5765800" cy="5054600"/>
+          </a:xfrm>
+          <a:prstGeom prst="rect">
+            <a:avLst/>
+          </a:prstGeom>
+        </p:spPr>
+      </p:pic>
+      <p:grpSp>
+        <p:nvGrpSpPr>
+          <p:cNvPr name="Group 19" id="19"/>
+          <p:cNvGrpSpPr/>
+          <p:nvPr/>
+        </p:nvGrpSpPr>
+        <p:grpSpPr>
+          <a:xfrm>
+            <a:off x="2147483647" y="2147483647"/>
+            <a:ext cx="2147483647" cy="2147483647"/>
+          </a:xfrm>
+        </p:grpSpPr>
+      </p:grpSp>
+      <p:pic>
+        <p:nvPicPr>
+          <p:cNvPr name="Picture 20" id="20"/>
+          <p:cNvPicPr>
+            <a:picLocks noChangeAspect="true"/>
+          </p:cNvPicPr>
+          <p:nvPr/>
+        </p:nvPicPr>
+        <p:blipFill>
+          <a:blip r:embed="rId12"/>
+          <a:stretch>
+            <a:fillRect/>
+          </a:stretch>
+        </p:blipFill>
+        <p:spPr>
+          <a:xfrm rot="0">
+            <a:off x="9664700" y="7899400"/>
+            <a:ext cx="7518400" cy="368300"/>
+          </a:xfrm>
+          <a:prstGeom prst="rect">
+            <a:avLst/>
+          </a:prstGeom>
+        </p:spPr>
+      </p:pic>
+      <p:pic>
+        <p:nvPicPr>
+          <p:cNvPr name="Picture 21" id="21"/>
+          <p:cNvPicPr>
+            <a:picLocks noChangeAspect="true"/>
+          </p:cNvPicPr>
+          <p:nvPr/>
+        </p:nvPicPr>
+        <p:blipFill>
+          <a:blip r:embed="rId13"/>
+          <a:stretch>
+            <a:fillRect/>
+          </a:stretch>
+        </p:blipFill>
+        <p:spPr>
+          <a:xfrm rot="0">
+            <a:off x="10287000" y="558800"/>
+            <a:ext cx="5448300" cy="774700"/>
+          </a:xfrm>
+          <a:prstGeom prst="rect">
+            <a:avLst/>
+          </a:prstGeom>
+        </p:spPr>
+      </p:pic>
+      <p:pic>
+        <p:nvPicPr>
+          <p:cNvPr name="Picture 22" id="22"/>
+          <p:cNvPicPr>
+            <a:picLocks noChangeAspect="true"/>
+          </p:cNvPicPr>
+          <p:nvPr/>
+        </p:nvPicPr>
+        <p:blipFill>
+          <a:blip r:embed="rId14"/>
+          <a:stretch>
+            <a:fillRect/>
+          </a:stretch>
+        </p:blipFill>
+        <p:spPr>
+          <a:xfrm rot="0">
+            <a:off x="9512300" y="1181100"/>
+            <a:ext cx="3924300" cy="2032000"/>
+          </a:xfrm>
+          <a:prstGeom prst="rect">
+            <a:avLst/>
+          </a:prstGeom>
+        </p:spPr>
+      </p:pic>
+      <p:pic>
+        <p:nvPicPr>
           <p:cNvPr name="Picture 23" id="23"/>
           <p:cNvPicPr>
             <a:picLocks noChangeAspect="true"/>
@@ -8898,15 +8718,15 @@
           <p:nvPr/>
         </p:nvPicPr>
         <p:blipFill>
-          <a:blip r:embed="rId19"/>
-          <a:stretch>
-            <a:fillRect/>
-          </a:stretch>
-        </p:blipFill>
-        <p:spPr>
-          <a:xfrm rot="0">
-            <a:off x="2768600" y="5283200"/>
-            <a:ext cx="6172200" cy="4381500"/>
+          <a:blip r:embed="rId15"/>
+          <a:stretch>
+            <a:fillRect/>
+          </a:stretch>
+        </p:blipFill>
+        <p:spPr>
+          <a:xfrm rot="0">
+            <a:off x="9563100" y="7327900"/>
+            <a:ext cx="7747000" cy="3111500"/>
           </a:xfrm>
           <a:prstGeom prst="rect">
             <a:avLst/>
@@ -8953,7 +8773,7 @@
         </p:nvGrpSpPr>
         <p:grpSpPr>
           <a:xfrm>
-            <a:off x="2147483647" y="2147483647"/>
+            <a:off x="2147483647" y="1325219600"/>
             <a:ext cx="2147483647" cy="2147483647"/>
           </a:xfrm>
         </p:grpSpPr>
@@ -8974,8 +8794,8 @@
         </p:blipFill>
         <p:spPr>
           <a:xfrm rot="0">
-            <a:off x="-3657600" y="-3987800"/>
-            <a:ext cx="16967200" cy="18859500"/>
+            <a:off x="-3657600" y="-4622800"/>
+            <a:ext cx="16967200" cy="20078700"/>
           </a:xfrm>
           <a:prstGeom prst="rect">
             <a:avLst/>
@@ -8998,8 +8818,8 @@
         </p:blipFill>
         <p:spPr>
           <a:xfrm rot="0">
-            <a:off x="457200" y="431800"/>
-            <a:ext cx="8483600" cy="9423400"/>
+            <a:off x="457200" y="101600"/>
+            <a:ext cx="8483600" cy="10045700"/>
           </a:xfrm>
           <a:prstGeom prst="rect">
             <a:avLst/>
@@ -9028,7 +8848,7 @@
           <p:nvPr/>
         </p:nvPicPr>
         <p:blipFill>
-          <a:blip r:embed="rId2"/>
+          <a:blip r:embed="rId4"/>
           <a:stretch>
             <a:fillRect/>
           </a:stretch>
@@ -9052,7 +8872,7 @@
           <p:nvPr/>
         </p:nvPicPr>
         <p:blipFill>
-          <a:blip r:embed="rId3"/>
+          <a:blip r:embed="rId5"/>
           <a:stretch>
             <a:fillRect/>
           </a:stretch>
@@ -9076,7 +8896,7 @@
           <p:nvPr/>
         </p:nvPicPr>
         <p:blipFill>
-          <a:blip r:embed="rId4"/>
+          <a:blip r:embed="rId6"/>
           <a:stretch>
             <a:fillRect/>
           </a:stretch>
@@ -9100,7 +8920,7 @@
           <p:nvPr/>
         </p:nvPicPr>
         <p:blipFill>
-          <a:blip r:embed="rId5"/>
+          <a:blip r:embed="rId7"/>
           <a:stretch>
             <a:fillRect/>
           </a:stretch>
@@ -9124,7 +8944,7 @@
           <p:nvPr/>
         </p:nvPicPr>
         <p:blipFill>
-          <a:blip r:embed="rId6"/>
+          <a:blip r:embed="rId8"/>
           <a:stretch>
             <a:fillRect/>
           </a:stretch>
@@ -9148,7 +8968,7 @@
           <p:nvPr/>
         </p:nvPicPr>
         <p:blipFill>
-          <a:blip r:embed="rId7"/>
+          <a:blip r:embed="rId9"/>
           <a:stretch>
             <a:fillRect/>
           </a:stretch>
@@ -9163,33 +8983,9 @@
           </a:prstGeom>
         </p:spPr>
       </p:pic>
-      <p:pic>
-        <p:nvPicPr>
-          <p:cNvPr name="Picture 12" id="12"/>
-          <p:cNvPicPr>
-            <a:picLocks noChangeAspect="true"/>
-          </p:cNvPicPr>
-          <p:nvPr/>
-        </p:nvPicPr>
-        <p:blipFill>
-          <a:blip r:embed="rId8"/>
-          <a:stretch>
-            <a:fillRect/>
-          </a:stretch>
-        </p:blipFill>
-        <p:spPr>
-          <a:xfrm rot="0">
-            <a:off x="11493500" y="660400"/>
-            <a:ext cx="4191000" cy="444500"/>
-          </a:xfrm>
-          <a:prstGeom prst="rect">
-            <a:avLst/>
-          </a:prstGeom>
-        </p:spPr>
-      </p:pic>
       <p:grpSp>
         <p:nvGrpSpPr>
-          <p:cNvPr name="Group 13" id="13"/>
+          <p:cNvPr name="Group 12" id="12"/>
           <p:cNvGrpSpPr/>
           <p:nvPr/>
         </p:nvGrpSpPr>
@@ -9202,6 +8998,30 @@
       </p:grpSp>
       <p:pic>
         <p:nvPicPr>
+          <p:cNvPr name="Picture 13" id="13"/>
+          <p:cNvPicPr>
+            <a:picLocks noChangeAspect="true"/>
+          </p:cNvPicPr>
+          <p:nvPr/>
+        </p:nvPicPr>
+        <p:blipFill>
+          <a:blip r:embed="rId10"/>
+          <a:stretch>
+            <a:fillRect/>
+          </a:stretch>
+        </p:blipFill>
+        <p:spPr>
+          <a:xfrm rot="0">
+            <a:off x="635000" y="228600"/>
+            <a:ext cx="8153400" cy="9817100"/>
+          </a:xfrm>
+          <a:prstGeom prst="rect">
+            <a:avLst/>
+          </a:prstGeom>
+        </p:spPr>
+      </p:pic>
+      <p:pic>
+        <p:nvPicPr>
           <p:cNvPr name="Picture 14" id="14"/>
           <p:cNvPicPr>
             <a:picLocks noChangeAspect="true"/>
@@ -9209,15 +9029,15 @@
           <p:nvPr/>
         </p:nvPicPr>
         <p:blipFill>
-          <a:blip r:embed="rId9"/>
-          <a:stretch>
-            <a:fillRect/>
-          </a:stretch>
-        </p:blipFill>
-        <p:spPr>
-          <a:xfrm rot="0">
-            <a:off x="9486900" y="2044700"/>
-            <a:ext cx="8216900" cy="5143500"/>
+          <a:blip r:embed="rId11"/>
+          <a:stretch>
+            <a:fillRect/>
+          </a:stretch>
+        </p:blipFill>
+        <p:spPr>
+          <a:xfrm rot="0">
+            <a:off x="11493500" y="660400"/>
+            <a:ext cx="4191000" cy="444500"/>
           </a:xfrm>
           <a:prstGeom prst="rect">
             <a:avLst/>
@@ -9246,15 +9066,15 @@
           <p:nvPr/>
         </p:nvPicPr>
         <p:blipFill>
-          <a:blip r:embed="rId10"/>
-          <a:stretch>
-            <a:fillRect/>
-          </a:stretch>
-        </p:blipFill>
-        <p:spPr>
-          <a:xfrm rot="0">
-            <a:off x="596900" y="774700"/>
-            <a:ext cx="5168900" cy="6172200"/>
+          <a:blip r:embed="rId12"/>
+          <a:stretch>
+            <a:fillRect/>
+          </a:stretch>
+        </p:blipFill>
+        <p:spPr>
+          <a:xfrm rot="0">
+            <a:off x="5803900" y="4635500"/>
+            <a:ext cx="2832100" cy="1943100"/>
           </a:xfrm>
           <a:prstGeom prst="rect">
             <a:avLst/>
@@ -9283,15 +9103,15 @@
           <p:nvPr/>
         </p:nvPicPr>
         <p:blipFill>
-          <a:blip r:embed="rId11"/>
-          <a:stretch>
-            <a:fillRect/>
-          </a:stretch>
-        </p:blipFill>
-        <p:spPr>
-          <a:xfrm rot="0">
-            <a:off x="3086100" y="4584700"/>
-            <a:ext cx="5765800" cy="5054600"/>
+          <a:blip r:embed="rId13"/>
+          <a:stretch>
+            <a:fillRect/>
+          </a:stretch>
+        </p:blipFill>
+        <p:spPr>
+          <a:xfrm rot="0">
+            <a:off x="9512300" y="2070100"/>
+            <a:ext cx="4279900" cy="2057400"/>
           </a:xfrm>
           <a:prstGeom prst="rect">
             <a:avLst/>
@@ -9320,45 +9140,34 @@
           <p:nvPr/>
         </p:nvPicPr>
         <p:blipFill>
-          <a:blip r:embed="rId12"/>
-          <a:stretch>
-            <a:fillRect/>
-          </a:stretch>
-        </p:blipFill>
-        <p:spPr>
-          <a:xfrm rot="0">
-            <a:off x="9664700" y="7899400"/>
-            <a:ext cx="7518400" cy="368300"/>
-          </a:xfrm>
-          <a:prstGeom prst="rect">
-            <a:avLst/>
-          </a:prstGeom>
-        </p:spPr>
-      </p:pic>
-      <p:pic>
-        <p:nvPicPr>
-          <p:cNvPr name="Picture 21" id="21"/>
-          <p:cNvPicPr>
-            <a:picLocks noChangeAspect="true"/>
-          </p:cNvPicPr>
-          <p:nvPr/>
-        </p:nvPicPr>
-        <p:blipFill>
-          <a:blip r:embed="rId13"/>
-          <a:stretch>
-            <a:fillRect/>
-          </a:stretch>
-        </p:blipFill>
-        <p:spPr>
-          <a:xfrm rot="0">
-            <a:off x="10287000" y="558800"/>
-            <a:ext cx="5448300" cy="774700"/>
-          </a:xfrm>
-          <a:prstGeom prst="rect">
-            <a:avLst/>
-          </a:prstGeom>
-        </p:spPr>
-      </p:pic>
+          <a:blip r:embed="rId14"/>
+          <a:stretch>
+            <a:fillRect/>
+          </a:stretch>
+        </p:blipFill>
+        <p:spPr>
+          <a:xfrm rot="0">
+            <a:off x="13970000" y="1790700"/>
+            <a:ext cx="3670300" cy="2997200"/>
+          </a:xfrm>
+          <a:prstGeom prst="rect">
+            <a:avLst/>
+          </a:prstGeom>
+        </p:spPr>
+      </p:pic>
+      <p:grpSp>
+        <p:nvGrpSpPr>
+          <p:cNvPr name="Group 21" id="21"/>
+          <p:cNvGrpSpPr/>
+          <p:nvPr/>
+        </p:nvGrpSpPr>
+        <p:grpSpPr>
+          <a:xfrm>
+            <a:off x="2147483647" y="2147483647"/>
+            <a:ext cx="2147483647" cy="2147483647"/>
+          </a:xfrm>
+        </p:grpSpPr>
+      </p:grpSp>
       <p:pic>
         <p:nvPicPr>
           <p:cNvPr name="Picture 22" id="22"/>
@@ -9368,14 +9177,99 @@
           <p:nvPr/>
         </p:nvPicPr>
         <p:blipFill>
-          <a:blip r:embed="rId14"/>
-          <a:stretch>
-            <a:fillRect/>
-          </a:stretch>
-        </p:blipFill>
-        <p:spPr>
-          <a:xfrm rot="0">
-            <a:off x="9512300" y="1181100"/>
+          <a:blip r:embed="rId15"/>
+          <a:stretch>
+            <a:fillRect/>
+          </a:stretch>
+        </p:blipFill>
+        <p:spPr>
+          <a:xfrm rot="0">
+            <a:off x="12788900" y="4902200"/>
+            <a:ext cx="5029200" cy="2781300"/>
+          </a:xfrm>
+          <a:prstGeom prst="rect">
+            <a:avLst/>
+          </a:prstGeom>
+        </p:spPr>
+      </p:pic>
+      <p:grpSp>
+        <p:nvGrpSpPr>
+          <p:cNvPr name="Group 23" id="23"/>
+          <p:cNvGrpSpPr/>
+          <p:nvPr/>
+        </p:nvGrpSpPr>
+        <p:grpSpPr>
+          <a:xfrm>
+            <a:off x="2147483647" y="2147483647"/>
+            <a:ext cx="2147483647" cy="2147483647"/>
+          </a:xfrm>
+        </p:grpSpPr>
+      </p:grpSp>
+      <p:pic>
+        <p:nvPicPr>
+          <p:cNvPr name="Picture 24" id="24"/>
+          <p:cNvPicPr>
+            <a:picLocks noChangeAspect="true"/>
+          </p:cNvPicPr>
+          <p:nvPr/>
+        </p:nvPicPr>
+        <p:blipFill>
+          <a:blip r:embed="rId16"/>
+          <a:stretch>
+            <a:fillRect/>
+          </a:stretch>
+        </p:blipFill>
+        <p:spPr>
+          <a:xfrm rot="0">
+            <a:off x="9474200" y="4305300"/>
+            <a:ext cx="3251200" cy="2209800"/>
+          </a:xfrm>
+          <a:prstGeom prst="rect">
+            <a:avLst/>
+          </a:prstGeom>
+        </p:spPr>
+      </p:pic>
+      <p:pic>
+        <p:nvPicPr>
+          <p:cNvPr name="Picture 25" id="25"/>
+          <p:cNvPicPr>
+            <a:picLocks noChangeAspect="true"/>
+          </p:cNvPicPr>
+          <p:nvPr/>
+        </p:nvPicPr>
+        <p:blipFill>
+          <a:blip r:embed="rId17"/>
+          <a:stretch>
+            <a:fillRect/>
+          </a:stretch>
+        </p:blipFill>
+        <p:spPr>
+          <a:xfrm rot="0">
+            <a:off x="10248900" y="609600"/>
+            <a:ext cx="5499100" cy="673100"/>
+          </a:xfrm>
+          <a:prstGeom prst="rect">
+            <a:avLst/>
+          </a:prstGeom>
+        </p:spPr>
+      </p:pic>
+      <p:pic>
+        <p:nvPicPr>
+          <p:cNvPr name="Picture 26" id="26"/>
+          <p:cNvPicPr>
+            <a:picLocks noChangeAspect="true"/>
+          </p:cNvPicPr>
+          <p:nvPr/>
+        </p:nvPicPr>
+        <p:blipFill>
+          <a:blip r:embed="rId18"/>
+          <a:stretch>
+            <a:fillRect/>
+          </a:stretch>
+        </p:blipFill>
+        <p:spPr>
+          <a:xfrm rot="0">
+            <a:off x="9283700" y="1181100"/>
             <a:ext cx="3924300" cy="2032000"/>
           </a:xfrm>
           <a:prstGeom prst="rect">
@@ -9385,22 +9279,22 @@
       </p:pic>
       <p:pic>
         <p:nvPicPr>
-          <p:cNvPr name="Picture 23" id="23"/>
-          <p:cNvPicPr>
-            <a:picLocks noChangeAspect="true"/>
-          </p:cNvPicPr>
-          <p:nvPr/>
-        </p:nvPicPr>
-        <p:blipFill>
-          <a:blip r:embed="rId15"/>
-          <a:stretch>
-            <a:fillRect/>
-          </a:stretch>
-        </p:blipFill>
-        <p:spPr>
-          <a:xfrm rot="0">
-            <a:off x="9563100" y="7327900"/>
-            <a:ext cx="7747000" cy="3111500"/>
+          <p:cNvPr name="Picture 27" id="27"/>
+          <p:cNvPicPr>
+            <a:picLocks noChangeAspect="true"/>
+          </p:cNvPicPr>
+          <p:nvPr/>
+        </p:nvPicPr>
+        <p:blipFill>
+          <a:blip r:embed="rId19"/>
+          <a:stretch>
+            <a:fillRect/>
+          </a:stretch>
+        </p:blipFill>
+        <p:spPr>
+          <a:xfrm rot="0">
+            <a:off x="9702800" y="6692900"/>
+            <a:ext cx="7086600" cy="3302000"/>
           </a:xfrm>
           <a:prstGeom prst="rect">
             <a:avLst/>
@@ -9447,7 +9341,7 @@
         </p:nvGrpSpPr>
         <p:grpSpPr>
           <a:xfrm>
-            <a:off x="2147483647" y="1325219600"/>
+            <a:off x="2147483647" y="2147483647"/>
             <a:ext cx="2147483647" cy="2147483647"/>
           </a:xfrm>
         </p:grpSpPr>
@@ -9468,8 +9362,8 @@
         </p:blipFill>
         <p:spPr>
           <a:xfrm rot="0">
-            <a:off x="-3657600" y="-4622800"/>
-            <a:ext cx="16967200" cy="20078700"/>
+            <a:off x="-3657600" y="-3987800"/>
+            <a:ext cx="16967200" cy="18859500"/>
           </a:xfrm>
           <a:prstGeom prst="rect">
             <a:avLst/>
@@ -9492,8 +9386,8 @@
         </p:blipFill>
         <p:spPr>
           <a:xfrm rot="0">
-            <a:off x="457200" y="101600"/>
-            <a:ext cx="8483600" cy="10045700"/>
+            <a:off x="457200" y="431800"/>
+            <a:ext cx="8483600" cy="9423400"/>
           </a:xfrm>
           <a:prstGeom prst="rect">
             <a:avLst/>
@@ -9522,7 +9416,7 @@
           <p:nvPr/>
         </p:nvPicPr>
         <p:blipFill>
-          <a:blip r:embed="rId4"/>
+          <a:blip r:embed="rId2"/>
           <a:stretch>
             <a:fillRect/>
           </a:stretch>
@@ -9546,7 +9440,7 @@
           <p:nvPr/>
         </p:nvPicPr>
         <p:blipFill>
-          <a:blip r:embed="rId5"/>
+          <a:blip r:embed="rId3"/>
           <a:stretch>
             <a:fillRect/>
           </a:stretch>
@@ -9570,7 +9464,7 @@
           <p:nvPr/>
         </p:nvPicPr>
         <p:blipFill>
-          <a:blip r:embed="rId6"/>
+          <a:blip r:embed="rId4"/>
           <a:stretch>
             <a:fillRect/>
           </a:stretch>
@@ -9594,7 +9488,7 @@
           <p:nvPr/>
         </p:nvPicPr>
         <p:blipFill>
-          <a:blip r:embed="rId7"/>
+          <a:blip r:embed="rId5"/>
           <a:stretch>
             <a:fillRect/>
           </a:stretch>
@@ -9618,7 +9512,7 @@
           <p:nvPr/>
         </p:nvPicPr>
         <p:blipFill>
-          <a:blip r:embed="rId8"/>
+          <a:blip r:embed="rId6"/>
           <a:stretch>
             <a:fillRect/>
           </a:stretch>
@@ -9642,7 +9536,7 @@
           <p:nvPr/>
         </p:nvPicPr>
         <p:blipFill>
-          <a:blip r:embed="rId9"/>
+          <a:blip r:embed="rId7"/>
           <a:stretch>
             <a:fillRect/>
           </a:stretch>
@@ -9679,15 +9573,15 @@
           <p:nvPr/>
         </p:nvPicPr>
         <p:blipFill>
-          <a:blip r:embed="rId10"/>
-          <a:stretch>
-            <a:fillRect/>
-          </a:stretch>
-        </p:blipFill>
-        <p:spPr>
-          <a:xfrm rot="0">
-            <a:off x="635000" y="228600"/>
-            <a:ext cx="8153400" cy="9817100"/>
+          <a:blip r:embed="rId8"/>
+          <a:stretch>
+            <a:fillRect/>
+          </a:stretch>
+        </p:blipFill>
+        <p:spPr>
+          <a:xfrm rot="0">
+            <a:off x="800100" y="660400"/>
+            <a:ext cx="4953000" cy="5549900"/>
           </a:xfrm>
           <a:prstGeom prst="rect">
             <a:avLst/>
@@ -9703,7 +9597,7 @@
           <p:nvPr/>
         </p:nvPicPr>
         <p:blipFill>
-          <a:blip r:embed="rId11"/>
+          <a:blip r:embed="rId9"/>
           <a:stretch>
             <a:fillRect/>
           </a:stretch>
@@ -9740,15 +9634,15 @@
           <p:nvPr/>
         </p:nvPicPr>
         <p:blipFill>
-          <a:blip r:embed="rId12"/>
-          <a:stretch>
-            <a:fillRect/>
-          </a:stretch>
-        </p:blipFill>
-        <p:spPr>
-          <a:xfrm rot="0">
-            <a:off x="5803900" y="4635500"/>
-            <a:ext cx="2832100" cy="1943100"/>
+          <a:blip r:embed="rId10"/>
+          <a:stretch>
+            <a:fillRect/>
+          </a:stretch>
+        </p:blipFill>
+        <p:spPr>
+          <a:xfrm rot="0">
+            <a:off x="749300" y="6477000"/>
+            <a:ext cx="7912100" cy="3149600"/>
           </a:xfrm>
           <a:prstGeom prst="rect">
             <a:avLst/>
@@ -9777,15 +9671,15 @@
           <p:nvPr/>
         </p:nvPicPr>
         <p:blipFill>
-          <a:blip r:embed="rId13"/>
-          <a:stretch>
-            <a:fillRect/>
-          </a:stretch>
-        </p:blipFill>
-        <p:spPr>
-          <a:xfrm rot="0">
-            <a:off x="9512300" y="2070100"/>
-            <a:ext cx="4279900" cy="2057400"/>
+          <a:blip r:embed="rId11"/>
+          <a:stretch>
+            <a:fillRect/>
+          </a:stretch>
+        </p:blipFill>
+        <p:spPr>
+          <a:xfrm rot="0">
+            <a:off x="9588500" y="2286000"/>
+            <a:ext cx="5130800" cy="3568700"/>
           </a:xfrm>
           <a:prstGeom prst="rect">
             <a:avLst/>
@@ -9814,105 +9708,31 @@
           <p:nvPr/>
         </p:nvPicPr>
         <p:blipFill>
-          <a:blip r:embed="rId14"/>
-          <a:stretch>
-            <a:fillRect/>
-          </a:stretch>
-        </p:blipFill>
-        <p:spPr>
-          <a:xfrm rot="0">
-            <a:off x="13970000" y="1790700"/>
-            <a:ext cx="3670300" cy="2997200"/>
-          </a:xfrm>
-          <a:prstGeom prst="rect">
-            <a:avLst/>
-          </a:prstGeom>
-        </p:spPr>
-      </p:pic>
-      <p:grpSp>
-        <p:nvGrpSpPr>
-          <p:cNvPr name="Group 21" id="21"/>
-          <p:cNvGrpSpPr/>
-          <p:nvPr/>
-        </p:nvGrpSpPr>
-        <p:grpSpPr>
-          <a:xfrm>
-            <a:off x="2147483647" y="2147483647"/>
-            <a:ext cx="2147483647" cy="2147483647"/>
-          </a:xfrm>
-        </p:grpSpPr>
-      </p:grpSp>
-      <p:pic>
-        <p:nvPicPr>
-          <p:cNvPr name="Picture 22" id="22"/>
-          <p:cNvPicPr>
-            <a:picLocks noChangeAspect="true"/>
-          </p:cNvPicPr>
-          <p:nvPr/>
-        </p:nvPicPr>
-        <p:blipFill>
-          <a:blip r:embed="rId15"/>
-          <a:stretch>
-            <a:fillRect/>
-          </a:stretch>
-        </p:blipFill>
-        <p:spPr>
-          <a:xfrm rot="0">
-            <a:off x="12788900" y="4902200"/>
-            <a:ext cx="5029200" cy="2781300"/>
-          </a:xfrm>
-          <a:prstGeom prst="rect">
-            <a:avLst/>
-          </a:prstGeom>
-        </p:spPr>
-      </p:pic>
-      <p:grpSp>
-        <p:nvGrpSpPr>
-          <p:cNvPr name="Group 23" id="23"/>
-          <p:cNvGrpSpPr/>
-          <p:nvPr/>
-        </p:nvGrpSpPr>
-        <p:grpSpPr>
-          <a:xfrm>
-            <a:off x="2147483647" y="2147483647"/>
-            <a:ext cx="2147483647" cy="2147483647"/>
-          </a:xfrm>
-        </p:grpSpPr>
-      </p:grpSp>
-      <p:pic>
-        <p:nvPicPr>
-          <p:cNvPr name="Picture 24" id="24"/>
-          <p:cNvPicPr>
-            <a:picLocks noChangeAspect="true"/>
-          </p:cNvPicPr>
-          <p:nvPr/>
-        </p:nvPicPr>
-        <p:blipFill>
-          <a:blip r:embed="rId16"/>
-          <a:stretch>
-            <a:fillRect/>
-          </a:stretch>
-        </p:blipFill>
-        <p:spPr>
-          <a:xfrm rot="0">
-            <a:off x="9474200" y="4305300"/>
-            <a:ext cx="3251200" cy="2209800"/>
-          </a:xfrm>
-          <a:prstGeom prst="rect">
-            <a:avLst/>
-          </a:prstGeom>
-        </p:spPr>
-      </p:pic>
-      <p:pic>
-        <p:nvPicPr>
-          <p:cNvPr name="Picture 25" id="25"/>
-          <p:cNvPicPr>
-            <a:picLocks noChangeAspect="true"/>
-          </p:cNvPicPr>
-          <p:nvPr/>
-        </p:nvPicPr>
-        <p:blipFill>
-          <a:blip r:embed="rId17"/>
+          <a:blip r:embed="rId12"/>
+          <a:stretch>
+            <a:fillRect/>
+          </a:stretch>
+        </p:blipFill>
+        <p:spPr>
+          <a:xfrm rot="0">
+            <a:off x="12890500" y="3314700"/>
+            <a:ext cx="4749800" cy="3644900"/>
+          </a:xfrm>
+          <a:prstGeom prst="rect">
+            <a:avLst/>
+          </a:prstGeom>
+        </p:spPr>
+      </p:pic>
+      <p:pic>
+        <p:nvPicPr>
+          <p:cNvPr name="Picture 21" id="21"/>
+          <p:cNvPicPr>
+            <a:picLocks noChangeAspect="true"/>
+          </p:cNvPicPr>
+          <p:nvPr/>
+        </p:nvPicPr>
+        <p:blipFill>
+          <a:blip r:embed="rId13"/>
           <a:stretch>
             <a:fillRect/>
           </a:stretch>
@@ -9929,46 +9749,46 @@
       </p:pic>
       <p:pic>
         <p:nvPicPr>
-          <p:cNvPr name="Picture 26" id="26"/>
-          <p:cNvPicPr>
-            <a:picLocks noChangeAspect="true"/>
-          </p:cNvPicPr>
-          <p:nvPr/>
-        </p:nvPicPr>
-        <p:blipFill>
-          <a:blip r:embed="rId18"/>
-          <a:stretch>
-            <a:fillRect/>
-          </a:stretch>
-        </p:blipFill>
-        <p:spPr>
-          <a:xfrm rot="0">
-            <a:off x="9283700" y="1181100"/>
-            <a:ext cx="3924300" cy="2032000"/>
-          </a:xfrm>
-          <a:prstGeom prst="rect">
-            <a:avLst/>
-          </a:prstGeom>
-        </p:spPr>
-      </p:pic>
-      <p:pic>
-        <p:nvPicPr>
-          <p:cNvPr name="Picture 27" id="27"/>
-          <p:cNvPicPr>
-            <a:picLocks noChangeAspect="true"/>
-          </p:cNvPicPr>
-          <p:nvPr/>
-        </p:nvPicPr>
-        <p:blipFill>
-          <a:blip r:embed="rId19"/>
-          <a:stretch>
-            <a:fillRect/>
-          </a:stretch>
-        </p:blipFill>
-        <p:spPr>
-          <a:xfrm rot="0">
-            <a:off x="9702800" y="6692900"/>
-            <a:ext cx="7086600" cy="3302000"/>
+          <p:cNvPr name="Picture 22" id="22"/>
+          <p:cNvPicPr>
+            <a:picLocks noChangeAspect="true"/>
+          </p:cNvPicPr>
+          <p:nvPr/>
+        </p:nvPicPr>
+        <p:blipFill>
+          <a:blip r:embed="rId14"/>
+          <a:stretch>
+            <a:fillRect/>
+          </a:stretch>
+        </p:blipFill>
+        <p:spPr>
+          <a:xfrm rot="0">
+            <a:off x="9169400" y="1130300"/>
+            <a:ext cx="6261100" cy="1358900"/>
+          </a:xfrm>
+          <a:prstGeom prst="rect">
+            <a:avLst/>
+          </a:prstGeom>
+        </p:spPr>
+      </p:pic>
+      <p:pic>
+        <p:nvPicPr>
+          <p:cNvPr name="Picture 23" id="23"/>
+          <p:cNvPicPr>
+            <a:picLocks noChangeAspect="true"/>
+          </p:cNvPicPr>
+          <p:nvPr/>
+        </p:nvPicPr>
+        <p:blipFill>
+          <a:blip r:embed="rId15"/>
+          <a:stretch>
+            <a:fillRect/>
+          </a:stretch>
+        </p:blipFill>
+        <p:spPr>
+          <a:xfrm rot="0">
+            <a:off x="9728200" y="7404100"/>
+            <a:ext cx="4483100" cy="2387600"/>
           </a:xfrm>
           <a:prstGeom prst="rect">
             <a:avLst/>
